--- a/folien/Semester_03_Termin_09_Kapitel08.pptx
+++ b/folien/Semester_03_Termin_09_Kapitel08.pptx
@@ -203,6 +203,36 @@
       </a:defRPr>
     </a:lvl9pPr>
   </p:defaultTextStyle>
+  <p:extLst>
+    <p:ext uri="{EFAFB233-063F-42B5-8137-9DF3F51BA10A}">
+      <p15:sldGuideLst xmlns:p15="http://schemas.microsoft.com/office/powerpoint/2012/main">
+        <p15:guide id="1" orient="horz" pos="2160">
+          <p15:clr>
+            <a:srgbClr val="A4A3A4"/>
+          </p15:clr>
+        </p15:guide>
+        <p15:guide id="2" pos="2880">
+          <p15:clr>
+            <a:srgbClr val="A4A3A4"/>
+          </p15:clr>
+        </p15:guide>
+      </p15:sldGuideLst>
+    </p:ext>
+    <p:ext uri="{2D200454-40CA-4A62-9FC3-DE9A4176ACB9}">
+      <p15:notesGuideLst xmlns:p15="http://schemas.microsoft.com/office/powerpoint/2012/main">
+        <p15:guide id="1" orient="horz" pos="2880">
+          <p15:clr>
+            <a:srgbClr val="A4A3A4"/>
+          </p15:clr>
+        </p15:guide>
+        <p15:guide id="2" pos="2160">
+          <p15:clr>
+            <a:srgbClr val="A4A3A4"/>
+          </p15:clr>
+        </p15:guide>
+      </p15:notesGuideLst>
+    </p:ext>
+  </p:extLst>
 </p:presentation>
 </file>
 
@@ -235,7 +265,7 @@
         <p:nvSpPr>
           <p:cNvPr id="2049" name="Rectangle 1"/>
           <p:cNvSpPr>
-            <a:spLocks noGrp="1" noChangeArrowheads="1"/>
+            <a:spLocks noGrp="1" noRot="1" noChangeAspect="1" noChangeArrowheads="1"/>
           </p:cNvSpPr>
           <p:nvPr>
             <p:ph type="sldImg"/>
@@ -533,6 +563,11 @@
         </p:txBody>
       </p:sp>
     </p:spTree>
+    <p:extLst>
+      <p:ext uri="{BB962C8B-B14F-4D97-AF65-F5344CB8AC3E}">
+        <p14:creationId xmlns:p14="http://schemas.microsoft.com/office/powerpoint/2010/main" val="2366039594"/>
+      </p:ext>
+    </p:extLst>
   </p:cSld>
   <p:clrMap bg1="lt1" tx1="dk1" bg2="lt2" tx2="dk2" accent1="accent1" accent2="accent2" accent3="accent3" accent4="accent4" accent5="accent5" accent6="accent6" hlink="hlink" folHlink="folHlink"/>
   <p:notesStyle>
@@ -740,7 +775,7 @@
         <p:nvSpPr>
           <p:cNvPr id="30721" name="Rectangle 1"/>
           <p:cNvSpPr txBox="1">
-            <a:spLocks noChangeArrowheads="1"/>
+            <a:spLocks noGrp="1" noRot="1" noChangeAspect="1" noChangeArrowheads="1"/>
           </p:cNvSpPr>
           <p:nvPr>
             <p:ph type="sldImg"/>
@@ -771,7 +806,7 @@
         <p:nvSpPr>
           <p:cNvPr id="30722" name="Rectangle 2"/>
           <p:cNvSpPr txBox="1">
-            <a:spLocks noChangeArrowheads="1"/>
+            <a:spLocks noGrp="1" noChangeArrowheads="1"/>
           </p:cNvSpPr>
           <p:nvPr>
             <p:ph type="body" idx="1"/>
@@ -801,6 +836,11 @@
         </p:txBody>
       </p:sp>
     </p:spTree>
+    <p:extLst>
+      <p:ext uri="{BB962C8B-B14F-4D97-AF65-F5344CB8AC3E}">
+        <p14:creationId xmlns:p14="http://schemas.microsoft.com/office/powerpoint/2010/main" val="2322277327"/>
+      </p:ext>
+    </p:extLst>
   </p:cSld>
   <p:clrMapOvr>
     <a:masterClrMapping/>
@@ -863,7 +903,7 @@
         <p:nvSpPr>
           <p:cNvPr id="39937" name="Rectangle 1"/>
           <p:cNvSpPr txBox="1">
-            <a:spLocks noChangeArrowheads="1"/>
+            <a:spLocks noGrp="1" noRot="1" noChangeAspect="1" noChangeArrowheads="1"/>
           </p:cNvSpPr>
           <p:nvPr>
             <p:ph type="sldImg"/>
@@ -894,7 +934,7 @@
         <p:nvSpPr>
           <p:cNvPr id="39938" name="Rectangle 2"/>
           <p:cNvSpPr txBox="1">
-            <a:spLocks noChangeArrowheads="1"/>
+            <a:spLocks noGrp="1" noChangeArrowheads="1"/>
           </p:cNvSpPr>
           <p:nvPr>
             <p:ph type="body" idx="1"/>
@@ -924,6 +964,11 @@
         </p:txBody>
       </p:sp>
     </p:spTree>
+    <p:extLst>
+      <p:ext uri="{BB962C8B-B14F-4D97-AF65-F5344CB8AC3E}">
+        <p14:creationId xmlns:p14="http://schemas.microsoft.com/office/powerpoint/2010/main" val="2674051012"/>
+      </p:ext>
+    </p:extLst>
   </p:cSld>
   <p:clrMapOvr>
     <a:masterClrMapping/>
@@ -986,7 +1031,7 @@
         <p:nvSpPr>
           <p:cNvPr id="40961" name="Rectangle 1"/>
           <p:cNvSpPr txBox="1">
-            <a:spLocks noChangeArrowheads="1"/>
+            <a:spLocks noGrp="1" noRot="1" noChangeAspect="1" noChangeArrowheads="1"/>
           </p:cNvSpPr>
           <p:nvPr>
             <p:ph type="sldImg"/>
@@ -1017,7 +1062,7 @@
         <p:nvSpPr>
           <p:cNvPr id="40962" name="Rectangle 2"/>
           <p:cNvSpPr txBox="1">
-            <a:spLocks noChangeArrowheads="1"/>
+            <a:spLocks noGrp="1" noChangeArrowheads="1"/>
           </p:cNvSpPr>
           <p:nvPr>
             <p:ph type="body" idx="1"/>
@@ -1047,6 +1092,11 @@
         </p:txBody>
       </p:sp>
     </p:spTree>
+    <p:extLst>
+      <p:ext uri="{BB962C8B-B14F-4D97-AF65-F5344CB8AC3E}">
+        <p14:creationId xmlns:p14="http://schemas.microsoft.com/office/powerpoint/2010/main" val="2785425960"/>
+      </p:ext>
+    </p:extLst>
   </p:cSld>
   <p:clrMapOvr>
     <a:masterClrMapping/>
@@ -1109,7 +1159,7 @@
         <p:nvSpPr>
           <p:cNvPr id="41985" name="Rectangle 1"/>
           <p:cNvSpPr txBox="1">
-            <a:spLocks noChangeArrowheads="1"/>
+            <a:spLocks noGrp="1" noRot="1" noChangeAspect="1" noChangeArrowheads="1"/>
           </p:cNvSpPr>
           <p:nvPr>
             <p:ph type="sldImg"/>
@@ -1140,7 +1190,7 @@
         <p:nvSpPr>
           <p:cNvPr id="41986" name="Rectangle 2"/>
           <p:cNvSpPr txBox="1">
-            <a:spLocks noChangeArrowheads="1"/>
+            <a:spLocks noGrp="1" noChangeArrowheads="1"/>
           </p:cNvSpPr>
           <p:nvPr>
             <p:ph type="body" idx="1"/>
@@ -1170,6 +1220,11 @@
         </p:txBody>
       </p:sp>
     </p:spTree>
+    <p:extLst>
+      <p:ext uri="{BB962C8B-B14F-4D97-AF65-F5344CB8AC3E}">
+        <p14:creationId xmlns:p14="http://schemas.microsoft.com/office/powerpoint/2010/main" val="2121474030"/>
+      </p:ext>
+    </p:extLst>
   </p:cSld>
   <p:clrMapOvr>
     <a:masterClrMapping/>
@@ -1232,7 +1287,7 @@
         <p:nvSpPr>
           <p:cNvPr id="43009" name="Rectangle 1"/>
           <p:cNvSpPr txBox="1">
-            <a:spLocks noChangeArrowheads="1"/>
+            <a:spLocks noGrp="1" noRot="1" noChangeAspect="1" noChangeArrowheads="1"/>
           </p:cNvSpPr>
           <p:nvPr>
             <p:ph type="sldImg"/>
@@ -1263,7 +1318,7 @@
         <p:nvSpPr>
           <p:cNvPr id="43010" name="Rectangle 2"/>
           <p:cNvSpPr txBox="1">
-            <a:spLocks noChangeArrowheads="1"/>
+            <a:spLocks noGrp="1" noChangeArrowheads="1"/>
           </p:cNvSpPr>
           <p:nvPr>
             <p:ph type="body" idx="1"/>
@@ -1293,6 +1348,11 @@
         </p:txBody>
       </p:sp>
     </p:spTree>
+    <p:extLst>
+      <p:ext uri="{BB962C8B-B14F-4D97-AF65-F5344CB8AC3E}">
+        <p14:creationId xmlns:p14="http://schemas.microsoft.com/office/powerpoint/2010/main" val="1938117942"/>
+      </p:ext>
+    </p:extLst>
   </p:cSld>
   <p:clrMapOvr>
     <a:masterClrMapping/>
@@ -1355,7 +1415,7 @@
         <p:nvSpPr>
           <p:cNvPr id="44033" name="Rectangle 1"/>
           <p:cNvSpPr txBox="1">
-            <a:spLocks noChangeArrowheads="1"/>
+            <a:spLocks noGrp="1" noRot="1" noChangeAspect="1" noChangeArrowheads="1"/>
           </p:cNvSpPr>
           <p:nvPr>
             <p:ph type="sldImg"/>
@@ -1386,7 +1446,7 @@
         <p:nvSpPr>
           <p:cNvPr id="44034" name="Rectangle 2"/>
           <p:cNvSpPr txBox="1">
-            <a:spLocks noChangeArrowheads="1"/>
+            <a:spLocks noGrp="1" noChangeArrowheads="1"/>
           </p:cNvSpPr>
           <p:nvPr>
             <p:ph type="body" idx="1"/>
@@ -1416,6 +1476,11 @@
         </p:txBody>
       </p:sp>
     </p:spTree>
+    <p:extLst>
+      <p:ext uri="{BB962C8B-B14F-4D97-AF65-F5344CB8AC3E}">
+        <p14:creationId xmlns:p14="http://schemas.microsoft.com/office/powerpoint/2010/main" val="3701984908"/>
+      </p:ext>
+    </p:extLst>
   </p:cSld>
   <p:clrMapOvr>
     <a:masterClrMapping/>
@@ -1478,7 +1543,7 @@
         <p:nvSpPr>
           <p:cNvPr id="45057" name="Rectangle 1"/>
           <p:cNvSpPr txBox="1">
-            <a:spLocks noChangeArrowheads="1"/>
+            <a:spLocks noGrp="1" noRot="1" noChangeAspect="1" noChangeArrowheads="1"/>
           </p:cNvSpPr>
           <p:nvPr>
             <p:ph type="sldImg"/>
@@ -1509,7 +1574,7 @@
         <p:nvSpPr>
           <p:cNvPr id="45058" name="Rectangle 2"/>
           <p:cNvSpPr txBox="1">
-            <a:spLocks noChangeArrowheads="1"/>
+            <a:spLocks noGrp="1" noChangeArrowheads="1"/>
           </p:cNvSpPr>
           <p:nvPr>
             <p:ph type="body" idx="1"/>
@@ -1539,6 +1604,11 @@
         </p:txBody>
       </p:sp>
     </p:spTree>
+    <p:extLst>
+      <p:ext uri="{BB962C8B-B14F-4D97-AF65-F5344CB8AC3E}">
+        <p14:creationId xmlns:p14="http://schemas.microsoft.com/office/powerpoint/2010/main" val="3973909617"/>
+      </p:ext>
+    </p:extLst>
   </p:cSld>
   <p:clrMapOvr>
     <a:masterClrMapping/>
@@ -1601,7 +1671,7 @@
         <p:nvSpPr>
           <p:cNvPr id="46081" name="Rectangle 1"/>
           <p:cNvSpPr txBox="1">
-            <a:spLocks noChangeArrowheads="1"/>
+            <a:spLocks noGrp="1" noRot="1" noChangeAspect="1" noChangeArrowheads="1"/>
           </p:cNvSpPr>
           <p:nvPr>
             <p:ph type="sldImg"/>
@@ -1632,7 +1702,7 @@
         <p:nvSpPr>
           <p:cNvPr id="46082" name="Rectangle 2"/>
           <p:cNvSpPr txBox="1">
-            <a:spLocks noChangeArrowheads="1"/>
+            <a:spLocks noGrp="1" noChangeArrowheads="1"/>
           </p:cNvSpPr>
           <p:nvPr>
             <p:ph type="body" idx="1"/>
@@ -1662,6 +1732,11 @@
         </p:txBody>
       </p:sp>
     </p:spTree>
+    <p:extLst>
+      <p:ext uri="{BB962C8B-B14F-4D97-AF65-F5344CB8AC3E}">
+        <p14:creationId xmlns:p14="http://schemas.microsoft.com/office/powerpoint/2010/main" val="664454422"/>
+      </p:ext>
+    </p:extLst>
   </p:cSld>
   <p:clrMapOvr>
     <a:masterClrMapping/>
@@ -1724,7 +1799,7 @@
         <p:nvSpPr>
           <p:cNvPr id="47105" name="Rectangle 1"/>
           <p:cNvSpPr txBox="1">
-            <a:spLocks noChangeArrowheads="1"/>
+            <a:spLocks noGrp="1" noRot="1" noChangeAspect="1" noChangeArrowheads="1"/>
           </p:cNvSpPr>
           <p:nvPr>
             <p:ph type="sldImg"/>
@@ -1755,7 +1830,7 @@
         <p:nvSpPr>
           <p:cNvPr id="47106" name="Rectangle 2"/>
           <p:cNvSpPr txBox="1">
-            <a:spLocks noChangeArrowheads="1"/>
+            <a:spLocks noGrp="1" noChangeArrowheads="1"/>
           </p:cNvSpPr>
           <p:nvPr>
             <p:ph type="body" idx="1"/>
@@ -1785,6 +1860,11 @@
         </p:txBody>
       </p:sp>
     </p:spTree>
+    <p:extLst>
+      <p:ext uri="{BB962C8B-B14F-4D97-AF65-F5344CB8AC3E}">
+        <p14:creationId xmlns:p14="http://schemas.microsoft.com/office/powerpoint/2010/main" val="3447737733"/>
+      </p:ext>
+    </p:extLst>
   </p:cSld>
   <p:clrMapOvr>
     <a:masterClrMapping/>
@@ -1847,7 +1927,7 @@
         <p:nvSpPr>
           <p:cNvPr id="48129" name="Rectangle 1"/>
           <p:cNvSpPr txBox="1">
-            <a:spLocks noChangeArrowheads="1"/>
+            <a:spLocks noGrp="1" noRot="1" noChangeAspect="1" noChangeArrowheads="1"/>
           </p:cNvSpPr>
           <p:nvPr>
             <p:ph type="sldImg"/>
@@ -1878,7 +1958,7 @@
         <p:nvSpPr>
           <p:cNvPr id="48130" name="Rectangle 2"/>
           <p:cNvSpPr txBox="1">
-            <a:spLocks noChangeArrowheads="1"/>
+            <a:spLocks noGrp="1" noChangeArrowheads="1"/>
           </p:cNvSpPr>
           <p:nvPr>
             <p:ph type="body" idx="1"/>
@@ -1908,6 +1988,11 @@
         </p:txBody>
       </p:sp>
     </p:spTree>
+    <p:extLst>
+      <p:ext uri="{BB962C8B-B14F-4D97-AF65-F5344CB8AC3E}">
+        <p14:creationId xmlns:p14="http://schemas.microsoft.com/office/powerpoint/2010/main" val="107750577"/>
+      </p:ext>
+    </p:extLst>
   </p:cSld>
   <p:clrMapOvr>
     <a:masterClrMapping/>
@@ -1970,7 +2055,7 @@
         <p:nvSpPr>
           <p:cNvPr id="49153" name="Rectangle 1"/>
           <p:cNvSpPr txBox="1">
-            <a:spLocks noChangeArrowheads="1"/>
+            <a:spLocks noGrp="1" noRot="1" noChangeAspect="1" noChangeArrowheads="1"/>
           </p:cNvSpPr>
           <p:nvPr>
             <p:ph type="sldImg"/>
@@ -2001,7 +2086,7 @@
         <p:nvSpPr>
           <p:cNvPr id="49154" name="Rectangle 2"/>
           <p:cNvSpPr txBox="1">
-            <a:spLocks noChangeArrowheads="1"/>
+            <a:spLocks noGrp="1" noChangeArrowheads="1"/>
           </p:cNvSpPr>
           <p:nvPr>
             <p:ph type="body" idx="1"/>
@@ -2031,6 +2116,11 @@
         </p:txBody>
       </p:sp>
     </p:spTree>
+    <p:extLst>
+      <p:ext uri="{BB962C8B-B14F-4D97-AF65-F5344CB8AC3E}">
+        <p14:creationId xmlns:p14="http://schemas.microsoft.com/office/powerpoint/2010/main" val="1144632269"/>
+      </p:ext>
+    </p:extLst>
   </p:cSld>
   <p:clrMapOvr>
     <a:masterClrMapping/>
@@ -2093,7 +2183,7 @@
         <p:nvSpPr>
           <p:cNvPr id="31745" name="Rectangle 1"/>
           <p:cNvSpPr txBox="1">
-            <a:spLocks noChangeArrowheads="1"/>
+            <a:spLocks noGrp="1" noRot="1" noChangeAspect="1" noChangeArrowheads="1"/>
           </p:cNvSpPr>
           <p:nvPr>
             <p:ph type="sldImg"/>
@@ -2124,7 +2214,7 @@
         <p:nvSpPr>
           <p:cNvPr id="31746" name="Rectangle 2"/>
           <p:cNvSpPr txBox="1">
-            <a:spLocks noChangeArrowheads="1"/>
+            <a:spLocks noGrp="1" noChangeArrowheads="1"/>
           </p:cNvSpPr>
           <p:nvPr>
             <p:ph type="body" idx="1"/>
@@ -2154,6 +2244,11 @@
         </p:txBody>
       </p:sp>
     </p:spTree>
+    <p:extLst>
+      <p:ext uri="{BB962C8B-B14F-4D97-AF65-F5344CB8AC3E}">
+        <p14:creationId xmlns:p14="http://schemas.microsoft.com/office/powerpoint/2010/main" val="2848172053"/>
+      </p:ext>
+    </p:extLst>
   </p:cSld>
   <p:clrMapOvr>
     <a:masterClrMapping/>
@@ -2216,7 +2311,7 @@
         <p:nvSpPr>
           <p:cNvPr id="50177" name="Rectangle 1"/>
           <p:cNvSpPr txBox="1">
-            <a:spLocks noChangeArrowheads="1"/>
+            <a:spLocks noGrp="1" noRot="1" noChangeAspect="1" noChangeArrowheads="1"/>
           </p:cNvSpPr>
           <p:nvPr>
             <p:ph type="sldImg"/>
@@ -2247,7 +2342,7 @@
         <p:nvSpPr>
           <p:cNvPr id="50178" name="Rectangle 2"/>
           <p:cNvSpPr txBox="1">
-            <a:spLocks noChangeArrowheads="1"/>
+            <a:spLocks noGrp="1" noChangeArrowheads="1"/>
           </p:cNvSpPr>
           <p:nvPr>
             <p:ph type="body" idx="1"/>
@@ -2277,6 +2372,11 @@
         </p:txBody>
       </p:sp>
     </p:spTree>
+    <p:extLst>
+      <p:ext uri="{BB962C8B-B14F-4D97-AF65-F5344CB8AC3E}">
+        <p14:creationId xmlns:p14="http://schemas.microsoft.com/office/powerpoint/2010/main" val="3295500942"/>
+      </p:ext>
+    </p:extLst>
   </p:cSld>
   <p:clrMapOvr>
     <a:masterClrMapping/>
@@ -2339,7 +2439,7 @@
         <p:nvSpPr>
           <p:cNvPr id="51201" name="Rectangle 1"/>
           <p:cNvSpPr txBox="1">
-            <a:spLocks noChangeArrowheads="1"/>
+            <a:spLocks noGrp="1" noRot="1" noChangeAspect="1" noChangeArrowheads="1"/>
           </p:cNvSpPr>
           <p:nvPr>
             <p:ph type="sldImg"/>
@@ -2370,7 +2470,7 @@
         <p:nvSpPr>
           <p:cNvPr id="51202" name="Rectangle 2"/>
           <p:cNvSpPr txBox="1">
-            <a:spLocks noChangeArrowheads="1"/>
+            <a:spLocks noGrp="1" noChangeArrowheads="1"/>
           </p:cNvSpPr>
           <p:nvPr>
             <p:ph type="body" idx="1"/>
@@ -2400,6 +2500,11 @@
         </p:txBody>
       </p:sp>
     </p:spTree>
+    <p:extLst>
+      <p:ext uri="{BB962C8B-B14F-4D97-AF65-F5344CB8AC3E}">
+        <p14:creationId xmlns:p14="http://schemas.microsoft.com/office/powerpoint/2010/main" val="2002467260"/>
+      </p:ext>
+    </p:extLst>
   </p:cSld>
   <p:clrMapOvr>
     <a:masterClrMapping/>
@@ -2462,7 +2567,7 @@
         <p:nvSpPr>
           <p:cNvPr id="52225" name="Rectangle 1"/>
           <p:cNvSpPr txBox="1">
-            <a:spLocks noChangeArrowheads="1"/>
+            <a:spLocks noGrp="1" noRot="1" noChangeAspect="1" noChangeArrowheads="1"/>
           </p:cNvSpPr>
           <p:nvPr>
             <p:ph type="sldImg"/>
@@ -2493,7 +2598,7 @@
         <p:nvSpPr>
           <p:cNvPr id="52226" name="Rectangle 2"/>
           <p:cNvSpPr txBox="1">
-            <a:spLocks noChangeArrowheads="1"/>
+            <a:spLocks noGrp="1" noChangeArrowheads="1"/>
           </p:cNvSpPr>
           <p:nvPr>
             <p:ph type="body" idx="1"/>
@@ -2523,6 +2628,11 @@
         </p:txBody>
       </p:sp>
     </p:spTree>
+    <p:extLst>
+      <p:ext uri="{BB962C8B-B14F-4D97-AF65-F5344CB8AC3E}">
+        <p14:creationId xmlns:p14="http://schemas.microsoft.com/office/powerpoint/2010/main" val="3729134884"/>
+      </p:ext>
+    </p:extLst>
   </p:cSld>
   <p:clrMapOvr>
     <a:masterClrMapping/>
@@ -2585,7 +2695,7 @@
         <p:nvSpPr>
           <p:cNvPr id="53249" name="Rectangle 1"/>
           <p:cNvSpPr txBox="1">
-            <a:spLocks noChangeArrowheads="1"/>
+            <a:spLocks noGrp="1" noRot="1" noChangeAspect="1" noChangeArrowheads="1"/>
           </p:cNvSpPr>
           <p:nvPr>
             <p:ph type="sldImg"/>
@@ -2616,7 +2726,7 @@
         <p:nvSpPr>
           <p:cNvPr id="53250" name="Rectangle 2"/>
           <p:cNvSpPr txBox="1">
-            <a:spLocks noChangeArrowheads="1"/>
+            <a:spLocks noGrp="1" noChangeArrowheads="1"/>
           </p:cNvSpPr>
           <p:nvPr>
             <p:ph type="body" idx="1"/>
@@ -2646,6 +2756,11 @@
         </p:txBody>
       </p:sp>
     </p:spTree>
+    <p:extLst>
+      <p:ext uri="{BB962C8B-B14F-4D97-AF65-F5344CB8AC3E}">
+        <p14:creationId xmlns:p14="http://schemas.microsoft.com/office/powerpoint/2010/main" val="2717556999"/>
+      </p:ext>
+    </p:extLst>
   </p:cSld>
   <p:clrMapOvr>
     <a:masterClrMapping/>
@@ -2708,7 +2823,7 @@
         <p:nvSpPr>
           <p:cNvPr id="54273" name="Rectangle 1"/>
           <p:cNvSpPr txBox="1">
-            <a:spLocks noChangeArrowheads="1"/>
+            <a:spLocks noGrp="1" noRot="1" noChangeAspect="1" noChangeArrowheads="1"/>
           </p:cNvSpPr>
           <p:nvPr>
             <p:ph type="sldImg"/>
@@ -2739,7 +2854,7 @@
         <p:nvSpPr>
           <p:cNvPr id="54274" name="Rectangle 2"/>
           <p:cNvSpPr txBox="1">
-            <a:spLocks noChangeArrowheads="1"/>
+            <a:spLocks noGrp="1" noChangeArrowheads="1"/>
           </p:cNvSpPr>
           <p:nvPr>
             <p:ph type="body" idx="1"/>
@@ -2769,6 +2884,11 @@
         </p:txBody>
       </p:sp>
     </p:spTree>
+    <p:extLst>
+      <p:ext uri="{BB962C8B-B14F-4D97-AF65-F5344CB8AC3E}">
+        <p14:creationId xmlns:p14="http://schemas.microsoft.com/office/powerpoint/2010/main" val="3007451810"/>
+      </p:ext>
+    </p:extLst>
   </p:cSld>
   <p:clrMapOvr>
     <a:masterClrMapping/>
@@ -2831,7 +2951,7 @@
         <p:nvSpPr>
           <p:cNvPr id="55297" name="Rectangle 1"/>
           <p:cNvSpPr txBox="1">
-            <a:spLocks noChangeArrowheads="1"/>
+            <a:spLocks noGrp="1" noRot="1" noChangeAspect="1" noChangeArrowheads="1"/>
           </p:cNvSpPr>
           <p:nvPr>
             <p:ph type="sldImg"/>
@@ -2862,7 +2982,7 @@
         <p:nvSpPr>
           <p:cNvPr id="55298" name="Rectangle 2"/>
           <p:cNvSpPr txBox="1">
-            <a:spLocks noChangeArrowheads="1"/>
+            <a:spLocks noGrp="1" noChangeArrowheads="1"/>
           </p:cNvSpPr>
           <p:nvPr>
             <p:ph type="body" idx="1"/>
@@ -2892,6 +3012,11 @@
         </p:txBody>
       </p:sp>
     </p:spTree>
+    <p:extLst>
+      <p:ext uri="{BB962C8B-B14F-4D97-AF65-F5344CB8AC3E}">
+        <p14:creationId xmlns:p14="http://schemas.microsoft.com/office/powerpoint/2010/main" val="1728473957"/>
+      </p:ext>
+    </p:extLst>
   </p:cSld>
   <p:clrMapOvr>
     <a:masterClrMapping/>
@@ -2954,7 +3079,7 @@
         <p:nvSpPr>
           <p:cNvPr id="56321" name="Rectangle 1"/>
           <p:cNvSpPr txBox="1">
-            <a:spLocks noChangeArrowheads="1"/>
+            <a:spLocks noGrp="1" noRot="1" noChangeAspect="1" noChangeArrowheads="1"/>
           </p:cNvSpPr>
           <p:nvPr>
             <p:ph type="sldImg"/>
@@ -2985,7 +3110,7 @@
         <p:nvSpPr>
           <p:cNvPr id="56322" name="Rectangle 2"/>
           <p:cNvSpPr txBox="1">
-            <a:spLocks noChangeArrowheads="1"/>
+            <a:spLocks noGrp="1" noChangeArrowheads="1"/>
           </p:cNvSpPr>
           <p:nvPr>
             <p:ph type="body" idx="1"/>
@@ -3015,6 +3140,11 @@
         </p:txBody>
       </p:sp>
     </p:spTree>
+    <p:extLst>
+      <p:ext uri="{BB962C8B-B14F-4D97-AF65-F5344CB8AC3E}">
+        <p14:creationId xmlns:p14="http://schemas.microsoft.com/office/powerpoint/2010/main" val="2512970045"/>
+      </p:ext>
+    </p:extLst>
   </p:cSld>
   <p:clrMapOvr>
     <a:masterClrMapping/>
@@ -3077,7 +3207,7 @@
         <p:nvSpPr>
           <p:cNvPr id="57345" name="Rectangle 1"/>
           <p:cNvSpPr txBox="1">
-            <a:spLocks noChangeArrowheads="1"/>
+            <a:spLocks noGrp="1" noRot="1" noChangeAspect="1" noChangeArrowheads="1"/>
           </p:cNvSpPr>
           <p:nvPr>
             <p:ph type="sldImg"/>
@@ -3108,7 +3238,7 @@
         <p:nvSpPr>
           <p:cNvPr id="57346" name="Rectangle 2"/>
           <p:cNvSpPr txBox="1">
-            <a:spLocks noChangeArrowheads="1"/>
+            <a:spLocks noGrp="1" noChangeArrowheads="1"/>
           </p:cNvSpPr>
           <p:nvPr>
             <p:ph type="body" idx="1"/>
@@ -3138,6 +3268,11 @@
         </p:txBody>
       </p:sp>
     </p:spTree>
+    <p:extLst>
+      <p:ext uri="{BB962C8B-B14F-4D97-AF65-F5344CB8AC3E}">
+        <p14:creationId xmlns:p14="http://schemas.microsoft.com/office/powerpoint/2010/main" val="585488950"/>
+      </p:ext>
+    </p:extLst>
   </p:cSld>
   <p:clrMapOvr>
     <a:masterClrMapping/>
@@ -3200,7 +3335,7 @@
         <p:nvSpPr>
           <p:cNvPr id="32769" name="Rectangle 1"/>
           <p:cNvSpPr txBox="1">
-            <a:spLocks noChangeArrowheads="1"/>
+            <a:spLocks noGrp="1" noRot="1" noChangeAspect="1" noChangeArrowheads="1"/>
           </p:cNvSpPr>
           <p:nvPr>
             <p:ph type="sldImg"/>
@@ -3231,7 +3366,7 @@
         <p:nvSpPr>
           <p:cNvPr id="32770" name="Rectangle 2"/>
           <p:cNvSpPr txBox="1">
-            <a:spLocks noChangeArrowheads="1"/>
+            <a:spLocks noGrp="1" noChangeArrowheads="1"/>
           </p:cNvSpPr>
           <p:nvPr>
             <p:ph type="body" idx="1"/>
@@ -3261,6 +3396,11 @@
         </p:txBody>
       </p:sp>
     </p:spTree>
+    <p:extLst>
+      <p:ext uri="{BB962C8B-B14F-4D97-AF65-F5344CB8AC3E}">
+        <p14:creationId xmlns:p14="http://schemas.microsoft.com/office/powerpoint/2010/main" val="1936413263"/>
+      </p:ext>
+    </p:extLst>
   </p:cSld>
   <p:clrMapOvr>
     <a:masterClrMapping/>
@@ -3323,7 +3463,7 @@
         <p:nvSpPr>
           <p:cNvPr id="33793" name="Rectangle 1"/>
           <p:cNvSpPr txBox="1">
-            <a:spLocks noChangeArrowheads="1"/>
+            <a:spLocks noGrp="1" noRot="1" noChangeAspect="1" noChangeArrowheads="1"/>
           </p:cNvSpPr>
           <p:nvPr>
             <p:ph type="sldImg"/>
@@ -3354,7 +3494,7 @@
         <p:nvSpPr>
           <p:cNvPr id="33794" name="Rectangle 2"/>
           <p:cNvSpPr txBox="1">
-            <a:spLocks noChangeArrowheads="1"/>
+            <a:spLocks noGrp="1" noChangeArrowheads="1"/>
           </p:cNvSpPr>
           <p:nvPr>
             <p:ph type="body" idx="1"/>
@@ -3384,6 +3524,11 @@
         </p:txBody>
       </p:sp>
     </p:spTree>
+    <p:extLst>
+      <p:ext uri="{BB962C8B-B14F-4D97-AF65-F5344CB8AC3E}">
+        <p14:creationId xmlns:p14="http://schemas.microsoft.com/office/powerpoint/2010/main" val="648149523"/>
+      </p:ext>
+    </p:extLst>
   </p:cSld>
   <p:clrMapOvr>
     <a:masterClrMapping/>
@@ -3446,7 +3591,7 @@
         <p:nvSpPr>
           <p:cNvPr id="34817" name="Rectangle 1"/>
           <p:cNvSpPr txBox="1">
-            <a:spLocks noChangeArrowheads="1"/>
+            <a:spLocks noGrp="1" noRot="1" noChangeAspect="1" noChangeArrowheads="1"/>
           </p:cNvSpPr>
           <p:nvPr>
             <p:ph type="sldImg"/>
@@ -3477,7 +3622,7 @@
         <p:nvSpPr>
           <p:cNvPr id="34818" name="Rectangle 2"/>
           <p:cNvSpPr txBox="1">
-            <a:spLocks noChangeArrowheads="1"/>
+            <a:spLocks noGrp="1" noChangeArrowheads="1"/>
           </p:cNvSpPr>
           <p:nvPr>
             <p:ph type="body" idx="1"/>
@@ -3507,6 +3652,11 @@
         </p:txBody>
       </p:sp>
     </p:spTree>
+    <p:extLst>
+      <p:ext uri="{BB962C8B-B14F-4D97-AF65-F5344CB8AC3E}">
+        <p14:creationId xmlns:p14="http://schemas.microsoft.com/office/powerpoint/2010/main" val="3804908331"/>
+      </p:ext>
+    </p:extLst>
   </p:cSld>
   <p:clrMapOvr>
     <a:masterClrMapping/>
@@ -3569,7 +3719,7 @@
         <p:nvSpPr>
           <p:cNvPr id="35841" name="Rectangle 1"/>
           <p:cNvSpPr txBox="1">
-            <a:spLocks noChangeArrowheads="1"/>
+            <a:spLocks noGrp="1" noRot="1" noChangeAspect="1" noChangeArrowheads="1"/>
           </p:cNvSpPr>
           <p:nvPr>
             <p:ph type="sldImg"/>
@@ -3600,7 +3750,7 @@
         <p:nvSpPr>
           <p:cNvPr id="35842" name="Rectangle 2"/>
           <p:cNvSpPr txBox="1">
-            <a:spLocks noChangeArrowheads="1"/>
+            <a:spLocks noGrp="1" noChangeArrowheads="1"/>
           </p:cNvSpPr>
           <p:nvPr>
             <p:ph type="body" idx="1"/>
@@ -3630,6 +3780,11 @@
         </p:txBody>
       </p:sp>
     </p:spTree>
+    <p:extLst>
+      <p:ext uri="{BB962C8B-B14F-4D97-AF65-F5344CB8AC3E}">
+        <p14:creationId xmlns:p14="http://schemas.microsoft.com/office/powerpoint/2010/main" val="4045101504"/>
+      </p:ext>
+    </p:extLst>
   </p:cSld>
   <p:clrMapOvr>
     <a:masterClrMapping/>
@@ -3692,7 +3847,7 @@
         <p:nvSpPr>
           <p:cNvPr id="36865" name="Rectangle 1"/>
           <p:cNvSpPr txBox="1">
-            <a:spLocks noChangeArrowheads="1"/>
+            <a:spLocks noGrp="1" noRot="1" noChangeAspect="1" noChangeArrowheads="1"/>
           </p:cNvSpPr>
           <p:nvPr>
             <p:ph type="sldImg"/>
@@ -3723,7 +3878,7 @@
         <p:nvSpPr>
           <p:cNvPr id="36866" name="Rectangle 2"/>
           <p:cNvSpPr txBox="1">
-            <a:spLocks noChangeArrowheads="1"/>
+            <a:spLocks noGrp="1" noChangeArrowheads="1"/>
           </p:cNvSpPr>
           <p:nvPr>
             <p:ph type="body" idx="1"/>
@@ -3753,6 +3908,11 @@
         </p:txBody>
       </p:sp>
     </p:spTree>
+    <p:extLst>
+      <p:ext uri="{BB962C8B-B14F-4D97-AF65-F5344CB8AC3E}">
+        <p14:creationId xmlns:p14="http://schemas.microsoft.com/office/powerpoint/2010/main" val="3205695109"/>
+      </p:ext>
+    </p:extLst>
   </p:cSld>
   <p:clrMapOvr>
     <a:masterClrMapping/>
@@ -3815,7 +3975,7 @@
         <p:nvSpPr>
           <p:cNvPr id="37889" name="Rectangle 1"/>
           <p:cNvSpPr txBox="1">
-            <a:spLocks noChangeArrowheads="1"/>
+            <a:spLocks noGrp="1" noRot="1" noChangeAspect="1" noChangeArrowheads="1"/>
           </p:cNvSpPr>
           <p:nvPr>
             <p:ph type="sldImg"/>
@@ -3846,7 +4006,7 @@
         <p:nvSpPr>
           <p:cNvPr id="37890" name="Rectangle 2"/>
           <p:cNvSpPr txBox="1">
-            <a:spLocks noChangeArrowheads="1"/>
+            <a:spLocks noGrp="1" noChangeArrowheads="1"/>
           </p:cNvSpPr>
           <p:nvPr>
             <p:ph type="body" idx="1"/>
@@ -3876,6 +4036,11 @@
         </p:txBody>
       </p:sp>
     </p:spTree>
+    <p:extLst>
+      <p:ext uri="{BB962C8B-B14F-4D97-AF65-F5344CB8AC3E}">
+        <p14:creationId xmlns:p14="http://schemas.microsoft.com/office/powerpoint/2010/main" val="2697912068"/>
+      </p:ext>
+    </p:extLst>
   </p:cSld>
   <p:clrMapOvr>
     <a:masterClrMapping/>
@@ -3938,7 +4103,7 @@
         <p:nvSpPr>
           <p:cNvPr id="38913" name="Rectangle 1"/>
           <p:cNvSpPr txBox="1">
-            <a:spLocks noChangeArrowheads="1"/>
+            <a:spLocks noGrp="1" noRot="1" noChangeAspect="1" noChangeArrowheads="1"/>
           </p:cNvSpPr>
           <p:nvPr>
             <p:ph type="sldImg"/>
@@ -3969,7 +4134,7 @@
         <p:nvSpPr>
           <p:cNvPr id="38914" name="Rectangle 2"/>
           <p:cNvSpPr txBox="1">
-            <a:spLocks noChangeArrowheads="1"/>
+            <a:spLocks noGrp="1" noChangeArrowheads="1"/>
           </p:cNvSpPr>
           <p:nvPr>
             <p:ph type="body" idx="1"/>
@@ -3999,6 +4164,11 @@
         </p:txBody>
       </p:sp>
     </p:spTree>
+    <p:extLst>
+      <p:ext uri="{BB962C8B-B14F-4D97-AF65-F5344CB8AC3E}">
+        <p14:creationId xmlns:p14="http://schemas.microsoft.com/office/powerpoint/2010/main" val="4052410818"/>
+      </p:ext>
+    </p:extLst>
   </p:cSld>
   <p:clrMapOvr>
     <a:masterClrMapping/>
@@ -7692,7 +7862,7 @@
   <p:timing>
     <p:tnLst>
       <p:par>
-        <p:cTn id="1" dur="indefinite" nodeType="tmRoot">
+        <p:cTn id="1" dur="indefinite" restart="never" nodeType="tmRoot">
           <p:childTnLst>
             <p:seq concurrent="1" nextAc="seek">
               <p:cTn id="2" dur="0" nodeType="mainSeq"/>
@@ -8049,7 +8219,7 @@
   <p:timing>
     <p:tnLst>
       <p:par>
-        <p:cTn id="1" dur="indefinite" nodeType="tmRoot">
+        <p:cTn id="1" dur="indefinite" restart="never" nodeType="tmRoot">
           <p:childTnLst>
             <p:seq concurrent="1" nextAc="seek">
               <p:cTn id="2" dur="0" nodeType="mainSeq"/>
@@ -8403,7 +8573,7 @@
   <p:timing>
     <p:tnLst>
       <p:par>
-        <p:cTn id="1" dur="indefinite" nodeType="tmRoot">
+        <p:cTn id="1" dur="indefinite" restart="never" nodeType="tmRoot">
           <p:childTnLst>
             <p:seq concurrent="1" nextAc="seek">
               <p:cTn id="2" dur="0" nodeType="mainSeq"/>
@@ -8758,7 +8928,7 @@
   <p:timing>
     <p:tnLst>
       <p:par>
-        <p:cTn id="1" dur="indefinite" nodeType="tmRoot">
+        <p:cTn id="1" dur="indefinite" restart="never" nodeType="tmRoot">
           <p:childTnLst>
             <p:seq concurrent="1" nextAc="seek">
               <p:cTn id="2" dur="0" nodeType="mainSeq"/>
@@ -9426,7 +9596,7 @@
   <p:timing>
     <p:tnLst>
       <p:par>
-        <p:cTn id="1" dur="indefinite" nodeType="tmRoot">
+        <p:cTn id="1" dur="indefinite" restart="never" nodeType="tmRoot">
           <p:childTnLst>
             <p:seq concurrent="1" nextAc="seek">
               <p:cTn id="2" dur="0" nodeType="mainSeq"/>
@@ -9845,7 +10015,7 @@
   <p:timing>
     <p:tnLst>
       <p:par>
-        <p:cTn id="1" dur="indefinite" nodeType="tmRoot">
+        <p:cTn id="1" dur="indefinite" restart="never" nodeType="tmRoot">
           <p:childTnLst>
             <p:seq concurrent="1" nextAc="seek">
               <p:cTn id="2" dur="0" nodeType="mainSeq"/>
@@ -10306,7 +10476,7 @@
   <p:timing>
     <p:tnLst>
       <p:par>
-        <p:cTn id="1" dur="indefinite" nodeType="tmRoot">
+        <p:cTn id="1" dur="indefinite" restart="never" nodeType="tmRoot">
           <p:childTnLst>
             <p:seq concurrent="1" nextAc="seek">
               <p:cTn id="2" dur="0" nodeType="mainSeq"/>
@@ -10710,7 +10880,7 @@
   <p:timing>
     <p:tnLst>
       <p:par>
-        <p:cTn id="1" dur="indefinite" nodeType="tmRoot">
+        <p:cTn id="1" dur="indefinite" restart="never" nodeType="tmRoot">
           <p:childTnLst>
             <p:seq concurrent="1" nextAc="seek">
               <p:cTn id="2" dur="0" nodeType="mainSeq"/>
@@ -11183,7 +11353,7 @@
   <p:timing>
     <p:tnLst>
       <p:par>
-        <p:cTn id="1" dur="indefinite" nodeType="tmRoot">
+        <p:cTn id="1" dur="indefinite" restart="never" nodeType="tmRoot">
           <p:childTnLst>
             <p:seq concurrent="1" nextAc="seek">
               <p:cTn id="2" dur="0" nodeType="mainSeq"/>
@@ -11574,7 +11744,7 @@
   <p:timing>
     <p:tnLst>
       <p:par>
-        <p:cTn id="1" dur="indefinite" nodeType="tmRoot">
+        <p:cTn id="1" dur="indefinite" restart="never" nodeType="tmRoot">
           <p:childTnLst>
             <p:seq concurrent="1" nextAc="seek">
               <p:cTn id="2" dur="0" nodeType="mainSeq"/>
@@ -12044,7 +12214,7 @@
   <p:timing>
     <p:tnLst>
       <p:par>
-        <p:cTn id="1" dur="indefinite" nodeType="tmRoot">
+        <p:cTn id="1" dur="indefinite" restart="never" nodeType="tmRoot">
           <p:childTnLst>
             <p:seq concurrent="1" nextAc="seek">
               <p:cTn id="2" dur="0" nodeType="mainSeq"/>
@@ -12450,7 +12620,7 @@
   <p:timing>
     <p:tnLst>
       <p:par>
-        <p:cTn id="1" dur="indefinite" nodeType="tmRoot">
+        <p:cTn id="1" dur="indefinite" restart="never" nodeType="tmRoot">
           <p:childTnLst>
             <p:seq concurrent="1" nextAc="seek">
               <p:cTn id="2" dur="0" nodeType="mainSeq"/>
@@ -13016,7 +13186,7 @@
   <p:timing>
     <p:tnLst>
       <p:par>
-        <p:cTn id="1" dur="indefinite" nodeType="tmRoot">
+        <p:cTn id="1" dur="indefinite" restart="never" nodeType="tmRoot">
           <p:childTnLst>
             <p:seq concurrent="1" nextAc="seek">
               <p:cTn id="2" dur="0" nodeType="mainSeq"/>
@@ -13570,7 +13740,7 @@
   <p:timing>
     <p:tnLst>
       <p:par>
-        <p:cTn id="1" dur="indefinite" nodeType="tmRoot">
+        <p:cTn id="1" dur="indefinite" restart="never" nodeType="tmRoot">
           <p:childTnLst>
             <p:seq concurrent="1" nextAc="seek">
               <p:cTn id="2" dur="0" nodeType="mainSeq"/>
@@ -14130,7 +14300,7 @@
   <p:timing>
     <p:tnLst>
       <p:par>
-        <p:cTn id="1" dur="indefinite" nodeType="tmRoot">
+        <p:cTn id="1" dur="indefinite" restart="never" nodeType="tmRoot">
           <p:childTnLst>
             <p:seq concurrent="1" nextAc="seek">
               <p:cTn id="2" dur="0" nodeType="mainSeq"/>
@@ -14444,7 +14614,7 @@
   <p:timing>
     <p:tnLst>
       <p:par>
-        <p:cTn id="1" dur="indefinite" nodeType="tmRoot">
+        <p:cTn id="1" dur="indefinite" restart="never" nodeType="tmRoot">
           <p:childTnLst>
             <p:seq concurrent="1" nextAc="seek">
               <p:cTn id="2" dur="0" nodeType="mainSeq"/>
@@ -14880,7 +15050,7 @@
   <p:timing>
     <p:tnLst>
       <p:par>
-        <p:cTn id="1" dur="indefinite" nodeType="tmRoot">
+        <p:cTn id="1" dur="indefinite" restart="never" nodeType="tmRoot">
           <p:childTnLst>
             <p:seq concurrent="1" nextAc="seek">
               <p:cTn id="2" dur="0" nodeType="mainSeq"/>
@@ -15337,7 +15507,7 @@
   <p:timing>
     <p:tnLst>
       <p:par>
-        <p:cTn id="1" dur="indefinite" nodeType="tmRoot">
+        <p:cTn id="1" dur="indefinite" restart="never" nodeType="tmRoot">
           <p:childTnLst>
             <p:seq concurrent="1" nextAc="seek">
               <p:cTn id="2" dur="0" nodeType="mainSeq"/>
@@ -15715,7 +15885,7 @@
   <p:timing>
     <p:tnLst>
       <p:par>
-        <p:cTn id="1" dur="indefinite" nodeType="tmRoot">
+        <p:cTn id="1" dur="indefinite" restart="never" nodeType="tmRoot">
           <p:childTnLst>
             <p:seq concurrent="1" nextAc="seek">
               <p:cTn id="2" dur="0" nodeType="mainSeq"/>
@@ -15952,7 +16122,7 @@
   <p:timing>
     <p:tnLst>
       <p:par>
-        <p:cTn id="1" dur="indefinite" nodeType="tmRoot">
+        <p:cTn id="1" dur="indefinite" restart="never" nodeType="tmRoot">
           <p:childTnLst>
             <p:seq concurrent="1" nextAc="seek">
               <p:cTn id="2" dur="0" nodeType="mainSeq"/>
@@ -16461,7 +16631,7 @@
   <p:timing>
     <p:tnLst>
       <p:par>
-        <p:cTn id="1" dur="indefinite" nodeType="tmRoot">
+        <p:cTn id="1" dur="indefinite" restart="never" nodeType="tmRoot">
           <p:childTnLst>
             <p:seq concurrent="1" nextAc="seek">
               <p:cTn id="2" dur="0" nodeType="mainSeq"/>
@@ -16933,7 +17103,7 @@
   <p:timing>
     <p:tnLst>
       <p:par>
-        <p:cTn id="1" dur="indefinite" nodeType="tmRoot">
+        <p:cTn id="1" dur="indefinite" restart="never" nodeType="tmRoot">
           <p:childTnLst>
             <p:seq concurrent="1" nextAc="seek">
               <p:cTn id="2" dur="0" nodeType="mainSeq"/>
@@ -17520,7 +17690,7 @@
   <p:timing>
     <p:tnLst>
       <p:par>
-        <p:cTn id="1" dur="indefinite" nodeType="tmRoot">
+        <p:cTn id="1" dur="indefinite" restart="never" nodeType="tmRoot">
           <p:childTnLst>
             <p:seq concurrent="1" nextAc="seek">
               <p:cTn id="2" dur="0" nodeType="mainSeq"/>
@@ -18020,7 +18190,7 @@
   <p:timing>
     <p:tnLst>
       <p:par>
-        <p:cTn id="1" dur="indefinite" nodeType="tmRoot">
+        <p:cTn id="1" dur="indefinite" restart="never" nodeType="tmRoot">
           <p:childTnLst>
             <p:seq concurrent="1" nextAc="seek">
               <p:cTn id="2" dur="0" nodeType="mainSeq"/>
@@ -18440,7 +18610,7 @@
   <p:timing>
     <p:tnLst>
       <p:par>
-        <p:cTn id="1" dur="indefinite" nodeType="tmRoot">
+        <p:cTn id="1" dur="indefinite" restart="never" nodeType="tmRoot">
           <p:childTnLst>
             <p:seq concurrent="1" nextAc="seek">
               <p:cTn id="2" dur="0" nodeType="mainSeq"/>
@@ -18990,7 +19160,7 @@
   <p:timing>
     <p:tnLst>
       <p:par>
-        <p:cTn id="1" dur="indefinite" nodeType="tmRoot">
+        <p:cTn id="1" dur="indefinite" restart="never" nodeType="tmRoot">
           <p:childTnLst>
             <p:seq concurrent="1" nextAc="seek">
               <p:cTn id="2" dur="0" nodeType="mainSeq"/>
@@ -19555,7 +19725,7 @@
   <p:timing>
     <p:tnLst>
       <p:par>
-        <p:cTn id="1" dur="indefinite" nodeType="tmRoot">
+        <p:cTn id="1" dur="indefinite" restart="never" nodeType="tmRoot">
           <p:childTnLst>
             <p:seq concurrent="1" nextAc="seek">
               <p:cTn id="2" dur="0" nodeType="mainSeq"/>
@@ -19585,7 +19755,7 @@
 <file path=ppt/theme/theme1.xml><?xml version="1.0" encoding="utf-8"?>
 <a:theme xmlns:a="http://schemas.openxmlformats.org/drawingml/2006/main" name="Larissa-Design">
   <a:themeElements>
-    <a:clrScheme name="Larissa-Design 1">
+    <a:clrScheme name="Benutzerdefiniert 1">
       <a:dk1>
         <a:srgbClr val="000000"/>
       </a:dk1>
@@ -19617,10 +19787,10 @@
         <a:srgbClr val="2D2DB9"/>
       </a:accent6>
       <a:hlink>
-        <a:srgbClr val="CCCCFF"/>
+        <a:srgbClr val="2D2DB9"/>
       </a:hlink>
       <a:folHlink>
-        <a:srgbClr val="B2B2B2"/>
+        <a:srgbClr val="2D2DB9"/>
       </a:folHlink>
     </a:clrScheme>
     <a:fontScheme name="Larissa-Design">

--- a/folien/Semester_03_Termin_09_Kapitel08.pptx
+++ b/folien/Semester_03_Termin_09_Kapitel08.pptx
@@ -12787,13 +12787,18 @@
               </a:tabLst>
             </a:pPr>
             <a:r>
-              <a:rPr lang="de-DE" sz="4000">
+              <a:rPr lang="de-DE" sz="4000" dirty="0" err="1" smtClean="0">
                 <a:solidFill>
                   <a:srgbClr val="FFFFFF"/>
                 </a:solidFill>
               </a:rPr>
-              <a:t>Übung</a:t>
-            </a:r>
+              <a:t>JOptionPane</a:t>
+            </a:r>
+            <a:endParaRPr lang="de-DE" sz="4000" dirty="0">
+              <a:solidFill>
+                <a:srgbClr val="FFFFFF"/>
+              </a:solidFill>
+            </a:endParaRPr>
           </a:p>
         </p:txBody>
       </p:sp>
@@ -12842,19 +12847,160 @@
               </a:tabLst>
             </a:pPr>
             <a:r>
-              <a:rPr lang="de-DE" sz="2600"/>
-              <a:t>Verwenden Sie die Klasse </a:t>
-            </a:r>
-            <a:r>
-              <a:rPr lang="de-DE" sz="2600">
+              <a:rPr lang="de-DE" sz="2600" dirty="0" smtClean="0"/>
+              <a:t>In den folgenden Übungen verwenden Sie häufig </a:t>
+            </a:r>
+            <a:r>
+              <a:rPr lang="de-DE" sz="2600" dirty="0"/>
+              <a:t>die Klasse </a:t>
+            </a:r>
+            <a:r>
+              <a:rPr lang="de-DE" sz="2600" dirty="0" err="1">
                 <a:latin typeface="Courier New" pitchFamily="49" charset="0"/>
               </a:rPr>
               <a:t>JOptionPane</a:t>
             </a:r>
             <a:r>
-              <a:rPr lang="de-DE" sz="2600"/>
-              <a:t> aus dem package</a:t>
-            </a:r>
+              <a:rPr lang="de-DE" sz="2600" dirty="0"/>
+              <a:t> aus dem </a:t>
+            </a:r>
+            <a:r>
+              <a:rPr lang="de-DE" sz="2600" dirty="0" err="1" smtClean="0"/>
+              <a:t>package</a:t>
+            </a:r>
+            <a:r>
+              <a:rPr lang="de-DE" sz="2600" dirty="0" smtClean="0"/>
+              <a:t> </a:t>
+            </a:r>
+            <a:r>
+              <a:rPr lang="de-DE" sz="2600" dirty="0" err="1" smtClean="0">
+                <a:latin typeface="Courier New" pitchFamily="49" charset="0"/>
+              </a:rPr>
+              <a:t>javax.swing</a:t>
+            </a:r>
+            <a:r>
+              <a:rPr lang="de-DE" sz="2600" dirty="0"/>
+              <a:t>.</a:t>
+            </a:r>
+          </a:p>
+          <a:p>
+            <a:pPr marL="0" indent="0">
+              <a:spcAft>
+                <a:spcPct val="0"/>
+              </a:spcAft>
+              <a:tabLst>
+                <a:tab pos="723900" algn="l"/>
+                <a:tab pos="1447800" algn="l"/>
+                <a:tab pos="2171700" algn="l"/>
+                <a:tab pos="2895600" algn="l"/>
+                <a:tab pos="3619500" algn="l"/>
+                <a:tab pos="4343400" algn="l"/>
+                <a:tab pos="5067300" algn="l"/>
+                <a:tab pos="5791200" algn="l"/>
+                <a:tab pos="6515100" algn="l"/>
+                <a:tab pos="7239000" algn="l"/>
+                <a:tab pos="7962900" algn="l"/>
+                <a:tab pos="8686800" algn="l"/>
+              </a:tabLst>
+            </a:pPr>
+            <a:endParaRPr lang="de-DE" sz="2600" dirty="0"/>
+          </a:p>
+          <a:p>
+            <a:pPr marL="0" indent="0">
+              <a:spcAft>
+                <a:spcPct val="0"/>
+              </a:spcAft>
+              <a:tabLst>
+                <a:tab pos="723900" algn="l"/>
+                <a:tab pos="1447800" algn="l"/>
+                <a:tab pos="2171700" algn="l"/>
+                <a:tab pos="2895600" algn="l"/>
+                <a:tab pos="3619500" algn="l"/>
+                <a:tab pos="4343400" algn="l"/>
+                <a:tab pos="5067300" algn="l"/>
+                <a:tab pos="5791200" algn="l"/>
+                <a:tab pos="6515100" algn="l"/>
+                <a:tab pos="7239000" algn="l"/>
+                <a:tab pos="7962900" algn="l"/>
+                <a:tab pos="8686800" algn="l"/>
+              </a:tabLst>
+            </a:pPr>
+            <a:r>
+              <a:rPr lang="de-DE" sz="2600" dirty="0"/>
+              <a:t>Diese Klasse stellt verschiedene statische Methoden zur</a:t>
+            </a:r>
+          </a:p>
+          <a:p>
+            <a:pPr marL="0" indent="0">
+              <a:spcAft>
+                <a:spcPct val="0"/>
+              </a:spcAft>
+              <a:tabLst>
+                <a:tab pos="723900" algn="l"/>
+                <a:tab pos="1447800" algn="l"/>
+                <a:tab pos="2171700" algn="l"/>
+                <a:tab pos="2895600" algn="l"/>
+                <a:tab pos="3619500" algn="l"/>
+                <a:tab pos="4343400" algn="l"/>
+                <a:tab pos="5067300" algn="l"/>
+                <a:tab pos="5791200" algn="l"/>
+                <a:tab pos="6515100" algn="l"/>
+                <a:tab pos="7239000" algn="l"/>
+                <a:tab pos="7962900" algn="l"/>
+                <a:tab pos="8686800" algn="l"/>
+              </a:tabLst>
+            </a:pPr>
+            <a:r>
+              <a:rPr lang="de-DE" sz="2600" dirty="0"/>
+              <a:t>Verfügung, um Meldungsboxen auf dem Bildschirm</a:t>
+            </a:r>
+          </a:p>
+          <a:p>
+            <a:pPr marL="0" indent="0">
+              <a:spcAft>
+                <a:spcPct val="0"/>
+              </a:spcAft>
+              <a:tabLst>
+                <a:tab pos="723900" algn="l"/>
+                <a:tab pos="1447800" algn="l"/>
+                <a:tab pos="2171700" algn="l"/>
+                <a:tab pos="2895600" algn="l"/>
+                <a:tab pos="3619500" algn="l"/>
+                <a:tab pos="4343400" algn="l"/>
+                <a:tab pos="5067300" algn="l"/>
+                <a:tab pos="5791200" algn="l"/>
+                <a:tab pos="6515100" algn="l"/>
+                <a:tab pos="7239000" algn="l"/>
+                <a:tab pos="7962900" algn="l"/>
+                <a:tab pos="8686800" algn="l"/>
+              </a:tabLst>
+            </a:pPr>
+            <a:r>
+              <a:rPr lang="de-DE" sz="2600" dirty="0"/>
+              <a:t>anzuzeigen – Beispiel:</a:t>
+            </a:r>
+          </a:p>
+          <a:p>
+            <a:pPr marL="0" indent="0">
+              <a:spcAft>
+                <a:spcPct val="0"/>
+              </a:spcAft>
+              <a:tabLst>
+                <a:tab pos="723900" algn="l"/>
+                <a:tab pos="1447800" algn="l"/>
+                <a:tab pos="2171700" algn="l"/>
+                <a:tab pos="2895600" algn="l"/>
+                <a:tab pos="3619500" algn="l"/>
+                <a:tab pos="4343400" algn="l"/>
+                <a:tab pos="5067300" algn="l"/>
+                <a:tab pos="5791200" algn="l"/>
+                <a:tab pos="6515100" algn="l"/>
+                <a:tab pos="7239000" algn="l"/>
+                <a:tab pos="7962900" algn="l"/>
+                <a:tab pos="8686800" algn="l"/>
+              </a:tabLst>
+            </a:pPr>
+            <a:endParaRPr lang="de-DE" sz="2600" dirty="0"/>
           </a:p>
           <a:p>
             <a:pPr marL="0" indent="0">
@@ -12880,163 +13026,16 @@
               </a:tabLst>
             </a:pPr>
             <a:r>
-              <a:rPr lang="de-DE" sz="2600">
+              <a:rPr lang="de-DE" sz="2200" dirty="0" err="1">
                 <a:latin typeface="Courier New" pitchFamily="49" charset="0"/>
               </a:rPr>
-              <a:t>javax.swing</a:t>
-            </a:r>
-            <a:r>
-              <a:rPr lang="de-DE" sz="2600"/>
-              <a:t>.</a:t>
-            </a:r>
-          </a:p>
-          <a:p>
-            <a:pPr marL="0" indent="0">
-              <a:spcAft>
-                <a:spcPct val="0"/>
-              </a:spcAft>
-              <a:tabLst>
-                <a:tab pos="723900" algn="l"/>
-                <a:tab pos="1447800" algn="l"/>
-                <a:tab pos="2171700" algn="l"/>
-                <a:tab pos="2895600" algn="l"/>
-                <a:tab pos="3619500" algn="l"/>
-                <a:tab pos="4343400" algn="l"/>
-                <a:tab pos="5067300" algn="l"/>
-                <a:tab pos="5791200" algn="l"/>
-                <a:tab pos="6515100" algn="l"/>
-                <a:tab pos="7239000" algn="l"/>
-                <a:tab pos="7962900" algn="l"/>
-                <a:tab pos="8686800" algn="l"/>
-              </a:tabLst>
-            </a:pPr>
-            <a:endParaRPr lang="de-DE" sz="2600"/>
-          </a:p>
-          <a:p>
-            <a:pPr marL="0" indent="0">
-              <a:spcAft>
-                <a:spcPct val="0"/>
-              </a:spcAft>
-              <a:tabLst>
-                <a:tab pos="723900" algn="l"/>
-                <a:tab pos="1447800" algn="l"/>
-                <a:tab pos="2171700" algn="l"/>
-                <a:tab pos="2895600" algn="l"/>
-                <a:tab pos="3619500" algn="l"/>
-                <a:tab pos="4343400" algn="l"/>
-                <a:tab pos="5067300" algn="l"/>
-                <a:tab pos="5791200" algn="l"/>
-                <a:tab pos="6515100" algn="l"/>
-                <a:tab pos="7239000" algn="l"/>
-                <a:tab pos="7962900" algn="l"/>
-                <a:tab pos="8686800" algn="l"/>
-              </a:tabLst>
-            </a:pPr>
-            <a:r>
-              <a:rPr lang="de-DE" sz="2600"/>
-              <a:t>Diese Klasse stellt verschiedene statische Methoden zur</a:t>
-            </a:r>
-          </a:p>
-          <a:p>
-            <a:pPr marL="0" indent="0">
-              <a:spcAft>
-                <a:spcPct val="0"/>
-              </a:spcAft>
-              <a:tabLst>
-                <a:tab pos="723900" algn="l"/>
-                <a:tab pos="1447800" algn="l"/>
-                <a:tab pos="2171700" algn="l"/>
-                <a:tab pos="2895600" algn="l"/>
-                <a:tab pos="3619500" algn="l"/>
-                <a:tab pos="4343400" algn="l"/>
-                <a:tab pos="5067300" algn="l"/>
-                <a:tab pos="5791200" algn="l"/>
-                <a:tab pos="6515100" algn="l"/>
-                <a:tab pos="7239000" algn="l"/>
-                <a:tab pos="7962900" algn="l"/>
-                <a:tab pos="8686800" algn="l"/>
-              </a:tabLst>
-            </a:pPr>
-            <a:r>
-              <a:rPr lang="de-DE" sz="2600"/>
-              <a:t>Verfügung, um Meldungsboxen auf dem Bildschirm</a:t>
-            </a:r>
-          </a:p>
-          <a:p>
-            <a:pPr marL="0" indent="0">
-              <a:spcAft>
-                <a:spcPct val="0"/>
-              </a:spcAft>
-              <a:tabLst>
-                <a:tab pos="723900" algn="l"/>
-                <a:tab pos="1447800" algn="l"/>
-                <a:tab pos="2171700" algn="l"/>
-                <a:tab pos="2895600" algn="l"/>
-                <a:tab pos="3619500" algn="l"/>
-                <a:tab pos="4343400" algn="l"/>
-                <a:tab pos="5067300" algn="l"/>
-                <a:tab pos="5791200" algn="l"/>
-                <a:tab pos="6515100" algn="l"/>
-                <a:tab pos="7239000" algn="l"/>
-                <a:tab pos="7962900" algn="l"/>
-                <a:tab pos="8686800" algn="l"/>
-              </a:tabLst>
-            </a:pPr>
-            <a:r>
-              <a:rPr lang="de-DE" sz="2600"/>
-              <a:t>anzuzeigen – Beispiel:</a:t>
-            </a:r>
-          </a:p>
-          <a:p>
-            <a:pPr marL="0" indent="0">
-              <a:spcAft>
-                <a:spcPct val="0"/>
-              </a:spcAft>
-              <a:tabLst>
-                <a:tab pos="723900" algn="l"/>
-                <a:tab pos="1447800" algn="l"/>
-                <a:tab pos="2171700" algn="l"/>
-                <a:tab pos="2895600" algn="l"/>
-                <a:tab pos="3619500" algn="l"/>
-                <a:tab pos="4343400" algn="l"/>
-                <a:tab pos="5067300" algn="l"/>
-                <a:tab pos="5791200" algn="l"/>
-                <a:tab pos="6515100" algn="l"/>
-                <a:tab pos="7239000" algn="l"/>
-                <a:tab pos="7962900" algn="l"/>
-                <a:tab pos="8686800" algn="l"/>
-              </a:tabLst>
-            </a:pPr>
-            <a:endParaRPr lang="de-DE" sz="2600"/>
-          </a:p>
-          <a:p>
-            <a:pPr marL="0" indent="0">
-              <a:lnSpc>
-                <a:spcPct val="89000"/>
-              </a:lnSpc>
-              <a:spcAft>
-                <a:spcPct val="0"/>
-              </a:spcAft>
-              <a:tabLst>
-                <a:tab pos="723900" algn="l"/>
-                <a:tab pos="1447800" algn="l"/>
-                <a:tab pos="2171700" algn="l"/>
-                <a:tab pos="2895600" algn="l"/>
-                <a:tab pos="3619500" algn="l"/>
-                <a:tab pos="4343400" algn="l"/>
-                <a:tab pos="5067300" algn="l"/>
-                <a:tab pos="5791200" algn="l"/>
-                <a:tab pos="6515100" algn="l"/>
-                <a:tab pos="7239000" algn="l"/>
-                <a:tab pos="7962900" algn="l"/>
-                <a:tab pos="8686800" algn="l"/>
-              </a:tabLst>
-            </a:pPr>
-            <a:r>
-              <a:rPr lang="de-DE" sz="2200">
+              <a:t>JOptionPane.showMessageDialog</a:t>
+            </a:r>
+            <a:r>
+              <a:rPr lang="de-DE" sz="2200" dirty="0">
                 <a:latin typeface="Courier New" pitchFamily="49" charset="0"/>
               </a:rPr>
-              <a:t>JOptionPane.showMessageDialog(null, "Hallo Welt");</a:t>
+              <a:t>(null, "Hallo Welt");</a:t>
             </a:r>
           </a:p>
           <a:p>
@@ -13059,7 +13058,7 @@
                 <a:tab pos="8686800" algn="l"/>
               </a:tabLst>
             </a:pPr>
-            <a:endParaRPr lang="de-DE" sz="2600"/>
+            <a:endParaRPr lang="de-DE" sz="2600" dirty="0"/>
           </a:p>
           <a:p>
             <a:pPr marL="0" indent="0">
@@ -13082,7 +13081,7 @@
               </a:tabLst>
             </a:pPr>
             <a:r>
-              <a:rPr lang="de-DE" sz="2600"/>
+              <a:rPr lang="de-DE" sz="2600" dirty="0"/>
               <a:t>(Über den ersten Parameter kann bei Bedarf ein Fenster</a:t>
             </a:r>
           </a:p>
@@ -13107,7 +13106,7 @@
               </a:tabLst>
             </a:pPr>
             <a:r>
-              <a:rPr lang="de-DE" sz="2600"/>
+              <a:rPr lang="de-DE" sz="2600" dirty="0"/>
               <a:t>angegeben werden, das gesperrt ist, bis die Meldung</a:t>
             </a:r>
           </a:p>
@@ -13132,7 +13131,7 @@
               </a:tabLst>
             </a:pPr>
             <a:r>
-              <a:rPr lang="de-DE" sz="2600"/>
+              <a:rPr lang="de-DE" sz="2600" dirty="0"/>
               <a:t>weggeklickt wird. Soll kein Fenster gesperrt werden, wird</a:t>
             </a:r>
           </a:p>
@@ -13157,21 +13156,21 @@
               </a:tabLst>
             </a:pPr>
             <a:r>
-              <a:rPr lang="de-DE" sz="2600" i="1"/>
+              <a:rPr lang="de-DE" sz="2600" i="1" dirty="0"/>
               <a:t>nichts</a:t>
             </a:r>
             <a:r>
-              <a:rPr lang="de-DE" sz="2600"/>
+              <a:rPr lang="de-DE" sz="2600" dirty="0"/>
               <a:t> (</a:t>
             </a:r>
             <a:r>
-              <a:rPr lang="de-DE" sz="2600">
+              <a:rPr lang="de-DE" sz="2600" dirty="0">
                 <a:latin typeface="Courier New" pitchFamily="49" charset="0"/>
               </a:rPr>
               <a:t>null</a:t>
             </a:r>
             <a:r>
-              <a:rPr lang="de-DE" sz="2600"/>
+              <a:rPr lang="de-DE" sz="2600" dirty="0"/>
               <a:t>) übergeben.)</a:t>
             </a:r>
           </a:p>
@@ -14502,106 +14501,122 @@
           <a:bodyPr lIns="0" tIns="24695" rIns="0" bIns="0"/>
           <a:lstStyle/>
           <a:p>
+            <a:pPr marL="457200" indent="-457200">
+              <a:spcAft>
+                <a:spcPct val="0"/>
+              </a:spcAft>
+              <a:buFont typeface="Arial" panose="020B0604020202020204" pitchFamily="34" charset="0"/>
+              <a:buChar char="•"/>
+              <a:tabLst>
+                <a:tab pos="723900" algn="l"/>
+                <a:tab pos="1447800" algn="l"/>
+                <a:tab pos="2171700" algn="l"/>
+                <a:tab pos="2895600" algn="l"/>
+                <a:tab pos="3619500" algn="l"/>
+                <a:tab pos="4343400" algn="l"/>
+                <a:tab pos="5067300" algn="l"/>
+                <a:tab pos="5791200" algn="l"/>
+                <a:tab pos="6515100" algn="l"/>
+                <a:tab pos="7239000" algn="l"/>
+                <a:tab pos="7962900" algn="l"/>
+                <a:tab pos="8686800" algn="l"/>
+              </a:tabLst>
+            </a:pPr>
+            <a:r>
+              <a:rPr lang="de-DE" sz="2800" dirty="0"/>
+              <a:t>Erstellen Sie ein Programm, das einen Text vom Benutzer abfragt und überprüft, ob dieser ein Palindrom ist (vorwärts und rückwärts gelesen das gleiche Wort ist, wie z. B. "</a:t>
+            </a:r>
+            <a:r>
+              <a:rPr lang="de-DE" sz="2800" dirty="0" err="1"/>
+              <a:t>otto</a:t>
+            </a:r>
+            <a:r>
+              <a:rPr lang="de-DE" sz="2800" dirty="0"/>
+              <a:t>" und "lagerregal").</a:t>
+            </a:r>
+            <a:br>
+              <a:rPr lang="de-DE" sz="2800" dirty="0"/>
+            </a:br>
+            <a:endParaRPr lang="de-DE" sz="2800" dirty="0"/>
+          </a:p>
+          <a:p>
+            <a:pPr marL="457200" indent="-457200">
+              <a:spcAft>
+                <a:spcPct val="0"/>
+              </a:spcAft>
+              <a:buFont typeface="Arial" panose="020B0604020202020204" pitchFamily="34" charset="0"/>
+              <a:buChar char="•"/>
+              <a:tabLst>
+                <a:tab pos="723900" algn="l"/>
+                <a:tab pos="1447800" algn="l"/>
+                <a:tab pos="2171700" algn="l"/>
+                <a:tab pos="2895600" algn="l"/>
+                <a:tab pos="3619500" algn="l"/>
+                <a:tab pos="4343400" algn="l"/>
+                <a:tab pos="5067300" algn="l"/>
+                <a:tab pos="5791200" algn="l"/>
+                <a:tab pos="6515100" algn="l"/>
+                <a:tab pos="7239000" algn="l"/>
+                <a:tab pos="7962900" algn="l"/>
+                <a:tab pos="8686800" algn="l"/>
+              </a:tabLst>
+            </a:pPr>
+            <a:r>
+              <a:rPr lang="de-DE" sz="2800" dirty="0"/>
+              <a:t>Achten Sie darauf, dass </a:t>
+            </a:r>
+            <a:r>
+              <a:rPr lang="de-DE" sz="2800" dirty="0" err="1"/>
+              <a:t>Gross</a:t>
+            </a:r>
+            <a:r>
+              <a:rPr lang="de-DE" sz="2800" dirty="0"/>
+              <a:t>-/Kleinschreibung bei der Prüfung egal ist.</a:t>
+            </a:r>
+          </a:p>
+          <a:p>
             <a:pPr marL="449263" indent="-449263">
               <a:spcAft>
                 <a:spcPct val="0"/>
               </a:spcAft>
-              <a:buFont typeface="Times New Roman" pitchFamily="16" charset="0"/>
-              <a:buAutoNum type="alphaLcParenR"/>
-              <a:tabLst>
-                <a:tab pos="723900" algn="l"/>
-                <a:tab pos="1447800" algn="l"/>
-                <a:tab pos="2171700" algn="l"/>
-                <a:tab pos="2895600" algn="l"/>
-                <a:tab pos="3619500" algn="l"/>
-                <a:tab pos="4343400" algn="l"/>
-                <a:tab pos="5067300" algn="l"/>
-                <a:tab pos="5791200" algn="l"/>
-                <a:tab pos="6515100" algn="l"/>
-                <a:tab pos="7239000" algn="l"/>
-                <a:tab pos="7962900" algn="l"/>
-                <a:tab pos="8686800" algn="l"/>
-              </a:tabLst>
-            </a:pPr>
-            <a:r>
-              <a:rPr lang="de-DE" sz="2800"/>
-              <a:t>Erstellen Sie ein Programm, das einen Text vom Benutzer abfragt und überprüft, ob dieser ein Palindrom ist (vorwärts und rückwärts gelesen das gleiche Wort ist, wie z. B. "otto" und "lagerregal").</a:t>
-            </a:r>
-            <a:br>
-              <a:rPr lang="de-DE" sz="2800"/>
-            </a:br>
-            <a:endParaRPr lang="de-DE" sz="2800"/>
+              <a:tabLst>
+                <a:tab pos="723900" algn="l"/>
+                <a:tab pos="1447800" algn="l"/>
+                <a:tab pos="2171700" algn="l"/>
+                <a:tab pos="2895600" algn="l"/>
+                <a:tab pos="3619500" algn="l"/>
+                <a:tab pos="4343400" algn="l"/>
+                <a:tab pos="5067300" algn="l"/>
+                <a:tab pos="5791200" algn="l"/>
+                <a:tab pos="6515100" algn="l"/>
+                <a:tab pos="7239000" algn="l"/>
+                <a:tab pos="7962900" algn="l"/>
+                <a:tab pos="8686800" algn="l"/>
+              </a:tabLst>
+            </a:pPr>
+            <a:endParaRPr lang="de-DE" dirty="0"/>
           </a:p>
           <a:p>
             <a:pPr marL="449263" indent="-449263">
               <a:spcAft>
                 <a:spcPct val="0"/>
               </a:spcAft>
-              <a:buFont typeface="Times New Roman" pitchFamily="16" charset="0"/>
-              <a:buAutoNum type="alphaLcParenR"/>
-              <a:tabLst>
-                <a:tab pos="723900" algn="l"/>
-                <a:tab pos="1447800" algn="l"/>
-                <a:tab pos="2171700" algn="l"/>
-                <a:tab pos="2895600" algn="l"/>
-                <a:tab pos="3619500" algn="l"/>
-                <a:tab pos="4343400" algn="l"/>
-                <a:tab pos="5067300" algn="l"/>
-                <a:tab pos="5791200" algn="l"/>
-                <a:tab pos="6515100" algn="l"/>
-                <a:tab pos="7239000" algn="l"/>
-                <a:tab pos="7962900" algn="l"/>
-                <a:tab pos="8686800" algn="l"/>
-              </a:tabLst>
-            </a:pPr>
-            <a:r>
-              <a:rPr lang="de-DE" sz="2800"/>
-              <a:t>Achten Sie darauf, dass Gross-/Kleinschreibung bei der Prüfung egal ist.</a:t>
-            </a:r>
-          </a:p>
-          <a:p>
-            <a:pPr marL="449263" indent="-449263">
-              <a:spcAft>
-                <a:spcPct val="0"/>
-              </a:spcAft>
-              <a:tabLst>
-                <a:tab pos="723900" algn="l"/>
-                <a:tab pos="1447800" algn="l"/>
-                <a:tab pos="2171700" algn="l"/>
-                <a:tab pos="2895600" algn="l"/>
-                <a:tab pos="3619500" algn="l"/>
-                <a:tab pos="4343400" algn="l"/>
-                <a:tab pos="5067300" algn="l"/>
-                <a:tab pos="5791200" algn="l"/>
-                <a:tab pos="6515100" algn="l"/>
-                <a:tab pos="7239000" algn="l"/>
-                <a:tab pos="7962900" algn="l"/>
-                <a:tab pos="8686800" algn="l"/>
-              </a:tabLst>
-            </a:pPr>
-            <a:endParaRPr lang="de-DE"/>
-          </a:p>
-          <a:p>
-            <a:pPr marL="449263" indent="-449263">
-              <a:spcAft>
-                <a:spcPct val="0"/>
-              </a:spcAft>
-              <a:tabLst>
-                <a:tab pos="723900" algn="l"/>
-                <a:tab pos="1447800" algn="l"/>
-                <a:tab pos="2171700" algn="l"/>
-                <a:tab pos="2895600" algn="l"/>
-                <a:tab pos="3619500" algn="l"/>
-                <a:tab pos="4343400" algn="l"/>
-                <a:tab pos="5067300" algn="l"/>
-                <a:tab pos="5791200" algn="l"/>
-                <a:tab pos="6515100" algn="l"/>
-                <a:tab pos="7239000" algn="l"/>
-                <a:tab pos="7962900" algn="l"/>
-                <a:tab pos="8686800" algn="l"/>
-              </a:tabLst>
-            </a:pPr>
-            <a:endParaRPr lang="de-DE"/>
+              <a:tabLst>
+                <a:tab pos="723900" algn="l"/>
+                <a:tab pos="1447800" algn="l"/>
+                <a:tab pos="2171700" algn="l"/>
+                <a:tab pos="2895600" algn="l"/>
+                <a:tab pos="3619500" algn="l"/>
+                <a:tab pos="4343400" algn="l"/>
+                <a:tab pos="5067300" algn="l"/>
+                <a:tab pos="5791200" algn="l"/>
+                <a:tab pos="6515100" algn="l"/>
+                <a:tab pos="7239000" algn="l"/>
+                <a:tab pos="7962900" algn="l"/>
+                <a:tab pos="8686800" algn="l"/>
+              </a:tabLst>
+            </a:pPr>
+            <a:endParaRPr lang="de-DE" dirty="0"/>
           </a:p>
         </p:txBody>
       </p:sp>
@@ -14836,7 +14851,7 @@
               </a:tabLst>
             </a:pPr>
             <a:r>
-              <a:rPr lang="de-DE" sz="2600"/>
+              <a:rPr lang="de-DE" sz="2600" dirty="0"/>
               <a:t>Setzen Sie ein "Zahlen raten"-Spiel um:</a:t>
             </a:r>
           </a:p>
@@ -14860,7 +14875,7 @@
                 <a:tab pos="8686800" algn="l"/>
               </a:tabLst>
             </a:pPr>
-            <a:endParaRPr lang="de-DE" sz="2600"/>
+            <a:endParaRPr lang="de-DE" sz="2600" dirty="0"/>
           </a:p>
           <a:p>
             <a:pPr marL="269875" indent="-269875">
@@ -14886,13 +14901,13 @@
               </a:tabLst>
             </a:pPr>
             <a:r>
-              <a:rPr lang="de-DE" sz="2600"/>
+              <a:rPr lang="de-DE" sz="2600" dirty="0"/>
               <a:t>Beim Start soll eine Zahl zwischen 1 und 100 ermittelt werden.</a:t>
             </a:r>
             <a:br>
-              <a:rPr lang="de-DE" sz="2600"/>
+              <a:rPr lang="de-DE" sz="2600" dirty="0"/>
             </a:br>
-            <a:endParaRPr lang="de-DE" sz="2600"/>
+            <a:endParaRPr lang="de-DE" sz="2600" dirty="0"/>
           </a:p>
           <a:p>
             <a:pPr marL="269875" indent="-269875">
@@ -14918,14 +14933,14 @@
               </a:tabLst>
             </a:pPr>
             <a:r>
-              <a:rPr lang="de-DE" sz="2600"/>
+              <a:rPr lang="de-DE" sz="2600" dirty="0"/>
               <a:t>Der Anwender wird solange wiederholt um Eingabe einer Zahl gebeten, bis er die richtige Zahl erraten hat.</a:t>
             </a:r>
             <a:br>
-              <a:rPr lang="de-DE" sz="2600"/>
+              <a:rPr lang="de-DE" sz="2600" dirty="0"/>
             </a:br>
             <a:r>
-              <a:rPr lang="de-DE" sz="2600"/>
+              <a:rPr lang="de-DE" sz="2600" dirty="0"/>
               <a:t> </a:t>
             </a:r>
           </a:p>
@@ -14953,13 +14968,13 @@
               </a:tabLst>
             </a:pPr>
             <a:r>
-              <a:rPr lang="de-DE" sz="2600"/>
+              <a:rPr lang="de-DE" sz="2600" dirty="0"/>
               <a:t>Bei jeder falschen Antwort erhält er nur den Tipp, dass die gesuchte Zahl größer bzw. kleiner als sein Tipp war.</a:t>
             </a:r>
             <a:br>
-              <a:rPr lang="de-DE" sz="2600"/>
+              <a:rPr lang="de-DE" sz="2600" dirty="0"/>
             </a:br>
-            <a:endParaRPr lang="de-DE" sz="2600"/>
+            <a:endParaRPr lang="de-DE" sz="2600" dirty="0"/>
           </a:p>
           <a:p>
             <a:pPr marL="269875" indent="-269875">
@@ -14985,7 +15000,7 @@
               </a:tabLst>
             </a:pPr>
             <a:r>
-              <a:rPr lang="de-DE" sz="2600"/>
+              <a:rPr lang="de-DE" sz="2600" dirty="0"/>
               <a:t>Am Ende wird die Anzahl der Rateversuche ausgegeben.</a:t>
             </a:r>
           </a:p>
@@ -15012,7 +15027,7 @@
                 <a:tab pos="8686800" algn="l"/>
               </a:tabLst>
             </a:pPr>
-            <a:endParaRPr lang="de-DE"/>
+            <a:endParaRPr lang="de-DE" dirty="0"/>
           </a:p>
           <a:p>
             <a:pPr marL="269875" indent="-269875">
@@ -15037,7 +15052,7 @@
                 <a:tab pos="8686800" algn="l"/>
               </a:tabLst>
             </a:pPr>
-            <a:endParaRPr lang="de-DE"/>
+            <a:endParaRPr lang="de-DE" dirty="0"/>
           </a:p>
         </p:txBody>
       </p:sp>
@@ -15272,7 +15287,7 @@
               </a:tabLst>
             </a:pPr>
             <a:r>
-              <a:rPr lang="de-DE" sz="2600"/>
+              <a:rPr lang="de-DE" sz="2600" dirty="0"/>
               <a:t>Setzen Sie das Spiel "Stäbchen nimm" um:</a:t>
             </a:r>
           </a:p>
@@ -15299,7 +15314,7 @@
                 <a:tab pos="8686800" algn="l"/>
               </a:tabLst>
             </a:pPr>
-            <a:endParaRPr lang="de-DE" sz="2600"/>
+            <a:endParaRPr lang="de-DE" sz="2600" dirty="0"/>
           </a:p>
           <a:p>
             <a:pPr marL="269875" indent="-269875">
@@ -15325,20 +15340,21 @@
               </a:tabLst>
             </a:pPr>
             <a:r>
-              <a:rPr lang="de-DE" sz="2600"/>
-              <a:t>Das Programm verwaltet einen Stapel von</a:t>
+              <a:rPr lang="de-DE" sz="2600" dirty="0"/>
+              <a:t>Das Programm verwaltet einen Stapel </a:t>
+            </a:r>
+            <a:r>
+              <a:rPr lang="de-DE" sz="2600" dirty="0" smtClean="0"/>
+              <a:t>von 13 </a:t>
+            </a:r>
+            <a:r>
+              <a:rPr lang="de-DE" sz="2600" dirty="0"/>
+              <a:t>Stäbchen.</a:t>
             </a:r>
             <a:br>
-              <a:rPr lang="de-DE" sz="2600"/>
+              <a:rPr lang="de-DE" sz="2600" dirty="0"/>
             </a:br>
-            <a:r>
-              <a:rPr lang="de-DE" sz="2600"/>
-              <a:t>13 Stäbchen.</a:t>
-            </a:r>
-            <a:br>
-              <a:rPr lang="de-DE" sz="2600"/>
-            </a:br>
-            <a:endParaRPr lang="de-DE" sz="2600"/>
+            <a:endParaRPr lang="de-DE" sz="2600" dirty="0"/>
           </a:p>
           <a:p>
             <a:pPr marL="269875" indent="-269875">
@@ -15364,27 +15380,29 @@
               </a:tabLst>
             </a:pPr>
             <a:r>
-              <a:rPr lang="de-DE" sz="2600"/>
-              <a:t>Abwechselnd werden zwei Anwender gefragt, ob</a:t>
+              <a:rPr lang="de-DE" sz="2600" dirty="0"/>
+              <a:t>Abwechselnd werden zwei Anwender gefragt, </a:t>
+            </a:r>
+            <a:r>
+              <a:rPr lang="de-DE" sz="2600" dirty="0" smtClean="0"/>
+              <a:t>ob sie vom </a:t>
+            </a:r>
+            <a:r>
+              <a:rPr lang="de-DE" sz="2600" dirty="0"/>
+              <a:t>Stapel 1, 2 oder 3 Stäbchen </a:t>
+            </a:r>
+            <a:r>
+              <a:rPr lang="de-DE" sz="2600" dirty="0" smtClean="0"/>
+              <a:t>nehmen wollen</a:t>
+            </a:r>
+            <a:r>
+              <a:rPr lang="de-DE" sz="2600" dirty="0"/>
+              <a:t>.</a:t>
             </a:r>
             <a:br>
-              <a:rPr lang="de-DE" sz="2600"/>
+              <a:rPr lang="de-DE" sz="2600" dirty="0"/>
             </a:br>
-            <a:r>
-              <a:rPr lang="de-DE" sz="2600"/>
-              <a:t>sie von dem Stapel 1, 2 oder 3 Stäbchen nehmen</a:t>
-            </a:r>
-            <a:br>
-              <a:rPr lang="de-DE" sz="2600"/>
-            </a:br>
-            <a:r>
-              <a:rPr lang="de-DE" sz="2600"/>
-              <a:t>wollen.</a:t>
-            </a:r>
-            <a:br>
-              <a:rPr lang="de-DE" sz="2600"/>
-            </a:br>
-            <a:endParaRPr lang="de-DE" sz="2600"/>
+            <a:endParaRPr lang="de-DE" sz="2600" dirty="0"/>
           </a:p>
           <a:p>
             <a:pPr marL="269875" indent="-269875">
@@ -15410,13 +15428,13 @@
               </a:tabLst>
             </a:pPr>
             <a:r>
-              <a:rPr lang="de-DE" sz="2600"/>
+              <a:rPr lang="de-DE" sz="2600" dirty="0"/>
               <a:t>Wer das letzte Stäbchen nehmen muss, hat verloren.</a:t>
             </a:r>
             <a:br>
-              <a:rPr lang="de-DE" sz="2600"/>
+              <a:rPr lang="de-DE" sz="2600" dirty="0"/>
             </a:br>
-            <a:endParaRPr lang="de-DE" sz="2600"/>
+            <a:endParaRPr lang="de-DE" sz="2600" dirty="0"/>
           </a:p>
           <a:p>
             <a:pPr marL="269875" indent="-269875">
@@ -15442,59 +15460,14 @@
               </a:tabLst>
             </a:pPr>
             <a:r>
-              <a:rPr lang="de-DE" sz="2600"/>
-              <a:t>Erweiterung: Schreiben Sie das Spiel für einen einzelnen Spieler um, und das Programm übernimmt den anderen Spieler.</a:t>
-            </a:r>
-          </a:p>
-          <a:p>
-            <a:pPr marL="269875" indent="-269875">
-              <a:spcAft>
-                <a:spcPct val="0"/>
-              </a:spcAft>
-              <a:buSzPct val="45000"/>
-              <a:buFont typeface="Wingdings" charset="2"/>
-              <a:buNone/>
-              <a:tabLst>
-                <a:tab pos="723900" algn="l"/>
-                <a:tab pos="1447800" algn="l"/>
-                <a:tab pos="2171700" algn="l"/>
-                <a:tab pos="2895600" algn="l"/>
-                <a:tab pos="3619500" algn="l"/>
-                <a:tab pos="4343400" algn="l"/>
-                <a:tab pos="5067300" algn="l"/>
-                <a:tab pos="5791200" algn="l"/>
-                <a:tab pos="6515100" algn="l"/>
-                <a:tab pos="7239000" algn="l"/>
-                <a:tab pos="7962900" algn="l"/>
-                <a:tab pos="8686800" algn="l"/>
-              </a:tabLst>
-            </a:pPr>
-            <a:endParaRPr lang="de-DE"/>
-          </a:p>
-          <a:p>
-            <a:pPr marL="269875" indent="-269875">
-              <a:spcAft>
-                <a:spcPct val="0"/>
-              </a:spcAft>
-              <a:buSzPct val="45000"/>
-              <a:buFont typeface="Wingdings" charset="2"/>
-              <a:buNone/>
-              <a:tabLst>
-                <a:tab pos="723900" algn="l"/>
-                <a:tab pos="1447800" algn="l"/>
-                <a:tab pos="2171700" algn="l"/>
-                <a:tab pos="2895600" algn="l"/>
-                <a:tab pos="3619500" algn="l"/>
-                <a:tab pos="4343400" algn="l"/>
-                <a:tab pos="5067300" algn="l"/>
-                <a:tab pos="5791200" algn="l"/>
-                <a:tab pos="6515100" algn="l"/>
-                <a:tab pos="7239000" algn="l"/>
-                <a:tab pos="7962900" algn="l"/>
-                <a:tab pos="8686800" algn="l"/>
-              </a:tabLst>
-            </a:pPr>
-            <a:endParaRPr lang="de-DE"/>
+              <a:rPr lang="de-DE" sz="2600" dirty="0"/>
+              <a:t>Erweiterung: Schreiben Sie das Spiel für einen einzelnen Spieler um, und das Programm übernimmt den anderen Spieler</a:t>
+            </a:r>
+            <a:r>
+              <a:rPr lang="de-DE" sz="2600" dirty="0" smtClean="0"/>
+              <a:t>.</a:t>
+            </a:r>
+            <a:endParaRPr lang="de-DE" dirty="0"/>
           </a:p>
         </p:txBody>
       </p:sp>

--- a/folien/Semester_03_Termin_09_Kapitel08.pptx
+++ b/folien/Semester_03_Termin_09_Kapitel08.pptx
@@ -206,7 +206,7 @@
   </p:defaultTextStyle>
   <p:extLst>
     <p:ext uri="{EFAFB233-063F-42B5-8137-9DF3F51BA10A}">
-      <p15:sldGuideLst xmlns:p15="http://schemas.microsoft.com/office/powerpoint/2012/main" xmlns="">
+      <p15:sldGuideLst xmlns:p15="http://schemas.microsoft.com/office/powerpoint/2012/main">
         <p15:guide id="1" orient="horz" pos="2160">
           <p15:clr>
             <a:srgbClr val="A4A3A4"/>
@@ -220,7 +220,7 @@
       </p15:sldGuideLst>
     </p:ext>
     <p:ext uri="{2D200454-40CA-4A62-9FC3-DE9A4176ACB9}">
-      <p15:notesGuideLst xmlns:p15="http://schemas.microsoft.com/office/powerpoint/2012/main" xmlns="">
+      <p15:notesGuideLst xmlns:p15="http://schemas.microsoft.com/office/powerpoint/2012/main">
         <p15:guide id="1" orient="horz" pos="2880">
           <p15:clr>
             <a:srgbClr val="A4A3A4"/>
@@ -326,7 +326,7 @@
           <a:lstStyle/>
           <a:p>
             <a:pPr lvl="0"/>
-            <a:endParaRPr lang="de-DE" smtClean="0"/>
+            <a:endParaRPr lang="de-DE"/>
           </a:p>
         </p:txBody>
       </p:sp>
@@ -4343,10 +4343,9 @@
           <a:lstStyle/>
           <a:p>
             <a:r>
-              <a:rPr lang="de-DE" smtClean="0"/>
+              <a:rPr lang="de-DE"/>
               <a:t>Titelmasterformat durch Klicken bearbeiten</a:t>
             </a:r>
-            <a:endParaRPr lang="de-DE"/>
           </a:p>
         </p:txBody>
       </p:sp>
@@ -4408,10 +4407,9 @@
           </a:lstStyle>
           <a:p>
             <a:r>
-              <a:rPr lang="de-DE" smtClean="0"/>
+              <a:rPr lang="de-DE"/>
               <a:t>Formatvorlage des Untertitelmasters durch Klicken bearbeiten</a:t>
             </a:r>
-            <a:endParaRPr lang="de-DE"/>
           </a:p>
         </p:txBody>
       </p:sp>
@@ -4530,10 +4528,9 @@
           <a:lstStyle/>
           <a:p>
             <a:r>
-              <a:rPr lang="de-DE" smtClean="0"/>
+              <a:rPr lang="de-DE"/>
               <a:t>Titelmasterformat durch Klicken bearbeiten</a:t>
             </a:r>
-            <a:endParaRPr lang="de-DE"/>
           </a:p>
         </p:txBody>
       </p:sp>
@@ -4554,38 +4551,37 @@
           <a:p>
             <a:pPr lvl="0"/>
             <a:r>
-              <a:rPr lang="de-DE" smtClean="0"/>
+              <a:rPr lang="de-DE"/>
               <a:t>Textmasterformate durch Klicken bearbeiten</a:t>
             </a:r>
           </a:p>
           <a:p>
             <a:pPr lvl="1"/>
             <a:r>
-              <a:rPr lang="de-DE" smtClean="0"/>
+              <a:rPr lang="de-DE"/>
               <a:t>Zweite Ebene</a:t>
             </a:r>
           </a:p>
           <a:p>
             <a:pPr lvl="2"/>
             <a:r>
-              <a:rPr lang="de-DE" smtClean="0"/>
+              <a:rPr lang="de-DE"/>
               <a:t>Dritte Ebene</a:t>
             </a:r>
           </a:p>
           <a:p>
             <a:pPr lvl="3"/>
             <a:r>
-              <a:rPr lang="de-DE" smtClean="0"/>
+              <a:rPr lang="de-DE"/>
               <a:t>Vierte Ebene</a:t>
             </a:r>
           </a:p>
           <a:p>
             <a:pPr lvl="4"/>
             <a:r>
-              <a:rPr lang="de-DE" smtClean="0"/>
+              <a:rPr lang="de-DE"/>
               <a:t>Fünfte Ebene</a:t>
             </a:r>
-            <a:endParaRPr lang="de-DE"/>
           </a:p>
         </p:txBody>
       </p:sp>
@@ -4709,10 +4705,9 @@
           <a:lstStyle/>
           <a:p>
             <a:r>
-              <a:rPr lang="de-DE" smtClean="0"/>
+              <a:rPr lang="de-DE"/>
               <a:t>Titelmasterformat durch Klicken bearbeiten</a:t>
             </a:r>
-            <a:endParaRPr lang="de-DE"/>
           </a:p>
         </p:txBody>
       </p:sp>
@@ -4738,38 +4733,37 @@
           <a:p>
             <a:pPr lvl="0"/>
             <a:r>
-              <a:rPr lang="de-DE" smtClean="0"/>
+              <a:rPr lang="de-DE"/>
               <a:t>Textmasterformate durch Klicken bearbeiten</a:t>
             </a:r>
           </a:p>
           <a:p>
             <a:pPr lvl="1"/>
             <a:r>
-              <a:rPr lang="de-DE" smtClean="0"/>
+              <a:rPr lang="de-DE"/>
               <a:t>Zweite Ebene</a:t>
             </a:r>
           </a:p>
           <a:p>
             <a:pPr lvl="2"/>
             <a:r>
-              <a:rPr lang="de-DE" smtClean="0"/>
+              <a:rPr lang="de-DE"/>
               <a:t>Dritte Ebene</a:t>
             </a:r>
           </a:p>
           <a:p>
             <a:pPr lvl="3"/>
             <a:r>
-              <a:rPr lang="de-DE" smtClean="0"/>
+              <a:rPr lang="de-DE"/>
               <a:t>Vierte Ebene</a:t>
             </a:r>
           </a:p>
           <a:p>
             <a:pPr lvl="4"/>
             <a:r>
-              <a:rPr lang="de-DE" smtClean="0"/>
+              <a:rPr lang="de-DE"/>
               <a:t>Fünfte Ebene</a:t>
             </a:r>
-            <a:endParaRPr lang="de-DE"/>
           </a:p>
         </p:txBody>
       </p:sp>
@@ -4893,10 +4887,9 @@
           <a:lstStyle/>
           <a:p>
             <a:r>
-              <a:rPr lang="de-DE" smtClean="0"/>
+              <a:rPr lang="de-DE"/>
               <a:t>Titelmasterformat durch Klicken bearbeiten</a:t>
             </a:r>
-            <a:endParaRPr lang="de-DE"/>
           </a:p>
         </p:txBody>
       </p:sp>
@@ -5030,10 +5023,9 @@
           <a:lstStyle/>
           <a:p>
             <a:r>
-              <a:rPr lang="de-DE" smtClean="0"/>
+              <a:rPr lang="de-DE"/>
               <a:t>Titelmasterformat durch Klicken bearbeiten</a:t>
             </a:r>
-            <a:endParaRPr lang="de-DE"/>
           </a:p>
         </p:txBody>
       </p:sp>
@@ -5054,38 +5046,37 @@
           <a:p>
             <a:pPr lvl="0"/>
             <a:r>
-              <a:rPr lang="de-DE" smtClean="0"/>
+              <a:rPr lang="de-DE"/>
               <a:t>Textmasterformate durch Klicken bearbeiten</a:t>
             </a:r>
           </a:p>
           <a:p>
             <a:pPr lvl="1"/>
             <a:r>
-              <a:rPr lang="de-DE" smtClean="0"/>
+              <a:rPr lang="de-DE"/>
               <a:t>Zweite Ebene</a:t>
             </a:r>
           </a:p>
           <a:p>
             <a:pPr lvl="2"/>
             <a:r>
-              <a:rPr lang="de-DE" smtClean="0"/>
+              <a:rPr lang="de-DE"/>
               <a:t>Dritte Ebene</a:t>
             </a:r>
           </a:p>
           <a:p>
             <a:pPr lvl="3"/>
             <a:r>
-              <a:rPr lang="de-DE" smtClean="0"/>
+              <a:rPr lang="de-DE"/>
               <a:t>Vierte Ebene</a:t>
             </a:r>
           </a:p>
           <a:p>
             <a:pPr lvl="4"/>
             <a:r>
-              <a:rPr lang="de-DE" smtClean="0"/>
+              <a:rPr lang="de-DE"/>
               <a:t>Fünfte Ebene</a:t>
             </a:r>
-            <a:endParaRPr lang="de-DE"/>
           </a:p>
         </p:txBody>
       </p:sp>
@@ -5213,10 +5204,9 @@
           </a:lstStyle>
           <a:p>
             <a:r>
-              <a:rPr lang="de-DE" smtClean="0"/>
+              <a:rPr lang="de-DE"/>
               <a:t>Titelmasterformat durch Klicken bearbeiten</a:t>
             </a:r>
-            <a:endParaRPr lang="de-DE"/>
           </a:p>
         </p:txBody>
       </p:sp>
@@ -5279,7 +5269,7 @@
           <a:p>
             <a:pPr lvl="0"/>
             <a:r>
-              <a:rPr lang="de-DE" smtClean="0"/>
+              <a:rPr lang="de-DE"/>
               <a:t>Textmasterformate durch Klicken bearbeiten</a:t>
             </a:r>
           </a:p>
@@ -5400,10 +5390,9 @@
           <a:lstStyle/>
           <a:p>
             <a:r>
-              <a:rPr lang="de-DE" smtClean="0"/>
+              <a:rPr lang="de-DE"/>
               <a:t>Titelmasterformat durch Klicken bearbeiten</a:t>
             </a:r>
-            <a:endParaRPr lang="de-DE"/>
           </a:p>
         </p:txBody>
       </p:sp>
@@ -5457,38 +5446,37 @@
           <a:p>
             <a:pPr lvl="0"/>
             <a:r>
-              <a:rPr lang="de-DE" smtClean="0"/>
+              <a:rPr lang="de-DE"/>
               <a:t>Textmasterformate durch Klicken bearbeiten</a:t>
             </a:r>
           </a:p>
           <a:p>
             <a:pPr lvl="1"/>
             <a:r>
-              <a:rPr lang="de-DE" smtClean="0"/>
+              <a:rPr lang="de-DE"/>
               <a:t>Zweite Ebene</a:t>
             </a:r>
           </a:p>
           <a:p>
             <a:pPr lvl="2"/>
             <a:r>
-              <a:rPr lang="de-DE" smtClean="0"/>
+              <a:rPr lang="de-DE"/>
               <a:t>Dritte Ebene</a:t>
             </a:r>
           </a:p>
           <a:p>
             <a:pPr lvl="3"/>
             <a:r>
-              <a:rPr lang="de-DE" smtClean="0"/>
+              <a:rPr lang="de-DE"/>
               <a:t>Vierte Ebene</a:t>
             </a:r>
           </a:p>
           <a:p>
             <a:pPr lvl="4"/>
             <a:r>
-              <a:rPr lang="de-DE" smtClean="0"/>
+              <a:rPr lang="de-DE"/>
               <a:t>Fünfte Ebene</a:t>
             </a:r>
-            <a:endParaRPr lang="de-DE"/>
           </a:p>
         </p:txBody>
       </p:sp>
@@ -5542,38 +5530,37 @@
           <a:p>
             <a:pPr lvl="0"/>
             <a:r>
-              <a:rPr lang="de-DE" smtClean="0"/>
+              <a:rPr lang="de-DE"/>
               <a:t>Textmasterformate durch Klicken bearbeiten</a:t>
             </a:r>
           </a:p>
           <a:p>
             <a:pPr lvl="1"/>
             <a:r>
-              <a:rPr lang="de-DE" smtClean="0"/>
+              <a:rPr lang="de-DE"/>
               <a:t>Zweite Ebene</a:t>
             </a:r>
           </a:p>
           <a:p>
             <a:pPr lvl="2"/>
             <a:r>
-              <a:rPr lang="de-DE" smtClean="0"/>
+              <a:rPr lang="de-DE"/>
               <a:t>Dritte Ebene</a:t>
             </a:r>
           </a:p>
           <a:p>
             <a:pPr lvl="3"/>
             <a:r>
-              <a:rPr lang="de-DE" smtClean="0"/>
+              <a:rPr lang="de-DE"/>
               <a:t>Vierte Ebene</a:t>
             </a:r>
           </a:p>
           <a:p>
             <a:pPr lvl="4"/>
             <a:r>
-              <a:rPr lang="de-DE" smtClean="0"/>
+              <a:rPr lang="de-DE"/>
               <a:t>Fünfte Ebene</a:t>
             </a:r>
-            <a:endParaRPr lang="de-DE"/>
           </a:p>
         </p:txBody>
       </p:sp>
@@ -5701,10 +5688,9 @@
           </a:lstStyle>
           <a:p>
             <a:r>
-              <a:rPr lang="de-DE" smtClean="0"/>
+              <a:rPr lang="de-DE"/>
               <a:t>Titelmasterformat durch Klicken bearbeiten</a:t>
             </a:r>
-            <a:endParaRPr lang="de-DE"/>
           </a:p>
         </p:txBody>
       </p:sp>
@@ -5767,7 +5753,7 @@
           <a:p>
             <a:pPr lvl="0"/>
             <a:r>
-              <a:rPr lang="de-DE" smtClean="0"/>
+              <a:rPr lang="de-DE"/>
               <a:t>Textmasterformate durch Klicken bearbeiten</a:t>
             </a:r>
           </a:p>
@@ -5823,38 +5809,37 @@
           <a:p>
             <a:pPr lvl="0"/>
             <a:r>
-              <a:rPr lang="de-DE" smtClean="0"/>
+              <a:rPr lang="de-DE"/>
               <a:t>Textmasterformate durch Klicken bearbeiten</a:t>
             </a:r>
           </a:p>
           <a:p>
             <a:pPr lvl="1"/>
             <a:r>
-              <a:rPr lang="de-DE" smtClean="0"/>
+              <a:rPr lang="de-DE"/>
               <a:t>Zweite Ebene</a:t>
             </a:r>
           </a:p>
           <a:p>
             <a:pPr lvl="2"/>
             <a:r>
-              <a:rPr lang="de-DE" smtClean="0"/>
+              <a:rPr lang="de-DE"/>
               <a:t>Dritte Ebene</a:t>
             </a:r>
           </a:p>
           <a:p>
             <a:pPr lvl="3"/>
             <a:r>
-              <a:rPr lang="de-DE" smtClean="0"/>
+              <a:rPr lang="de-DE"/>
               <a:t>Vierte Ebene</a:t>
             </a:r>
           </a:p>
           <a:p>
             <a:pPr lvl="4"/>
             <a:r>
-              <a:rPr lang="de-DE" smtClean="0"/>
+              <a:rPr lang="de-DE"/>
               <a:t>Fünfte Ebene</a:t>
             </a:r>
-            <a:endParaRPr lang="de-DE"/>
           </a:p>
         </p:txBody>
       </p:sp>
@@ -5917,7 +5902,7 @@
           <a:p>
             <a:pPr lvl="0"/>
             <a:r>
-              <a:rPr lang="de-DE" smtClean="0"/>
+              <a:rPr lang="de-DE"/>
               <a:t>Textmasterformate durch Klicken bearbeiten</a:t>
             </a:r>
           </a:p>
@@ -5973,38 +5958,37 @@
           <a:p>
             <a:pPr lvl="0"/>
             <a:r>
-              <a:rPr lang="de-DE" smtClean="0"/>
+              <a:rPr lang="de-DE"/>
               <a:t>Textmasterformate durch Klicken bearbeiten</a:t>
             </a:r>
           </a:p>
           <a:p>
             <a:pPr lvl="1"/>
             <a:r>
-              <a:rPr lang="de-DE" smtClean="0"/>
+              <a:rPr lang="de-DE"/>
               <a:t>Zweite Ebene</a:t>
             </a:r>
           </a:p>
           <a:p>
             <a:pPr lvl="2"/>
             <a:r>
-              <a:rPr lang="de-DE" smtClean="0"/>
+              <a:rPr lang="de-DE"/>
               <a:t>Dritte Ebene</a:t>
             </a:r>
           </a:p>
           <a:p>
             <a:pPr lvl="3"/>
             <a:r>
-              <a:rPr lang="de-DE" smtClean="0"/>
+              <a:rPr lang="de-DE"/>
               <a:t>Vierte Ebene</a:t>
             </a:r>
           </a:p>
           <a:p>
             <a:pPr lvl="4"/>
             <a:r>
-              <a:rPr lang="de-DE" smtClean="0"/>
+              <a:rPr lang="de-DE"/>
               <a:t>Fünfte Ebene</a:t>
             </a:r>
-            <a:endParaRPr lang="de-DE"/>
           </a:p>
         </p:txBody>
       </p:sp>
@@ -6123,10 +6107,9 @@
           <a:lstStyle/>
           <a:p>
             <a:r>
-              <a:rPr lang="de-DE" smtClean="0"/>
+              <a:rPr lang="de-DE"/>
               <a:t>Titelmasterformat durch Klicken bearbeiten</a:t>
             </a:r>
-            <a:endParaRPr lang="de-DE"/>
           </a:p>
         </p:txBody>
       </p:sp>
@@ -6353,10 +6336,9 @@
           </a:lstStyle>
           <a:p>
             <a:r>
-              <a:rPr lang="de-DE" smtClean="0"/>
+              <a:rPr lang="de-DE"/>
               <a:t>Titelmasterformat durch Klicken bearbeiten</a:t>
             </a:r>
-            <a:endParaRPr lang="de-DE"/>
           </a:p>
         </p:txBody>
       </p:sp>
@@ -6410,38 +6392,37 @@
           <a:p>
             <a:pPr lvl="0"/>
             <a:r>
-              <a:rPr lang="de-DE" smtClean="0"/>
+              <a:rPr lang="de-DE"/>
               <a:t>Textmasterformate durch Klicken bearbeiten</a:t>
             </a:r>
           </a:p>
           <a:p>
             <a:pPr lvl="1"/>
             <a:r>
-              <a:rPr lang="de-DE" smtClean="0"/>
+              <a:rPr lang="de-DE"/>
               <a:t>Zweite Ebene</a:t>
             </a:r>
           </a:p>
           <a:p>
             <a:pPr lvl="2"/>
             <a:r>
-              <a:rPr lang="de-DE" smtClean="0"/>
+              <a:rPr lang="de-DE"/>
               <a:t>Dritte Ebene</a:t>
             </a:r>
           </a:p>
           <a:p>
             <a:pPr lvl="3"/>
             <a:r>
-              <a:rPr lang="de-DE" smtClean="0"/>
+              <a:rPr lang="de-DE"/>
               <a:t>Vierte Ebene</a:t>
             </a:r>
           </a:p>
           <a:p>
             <a:pPr lvl="4"/>
             <a:r>
-              <a:rPr lang="de-DE" smtClean="0"/>
+              <a:rPr lang="de-DE"/>
               <a:t>Fünfte Ebene</a:t>
             </a:r>
-            <a:endParaRPr lang="de-DE"/>
           </a:p>
         </p:txBody>
       </p:sp>
@@ -6504,7 +6485,7 @@
           <a:p>
             <a:pPr lvl="0"/>
             <a:r>
-              <a:rPr lang="de-DE" smtClean="0"/>
+              <a:rPr lang="de-DE"/>
               <a:t>Textmasterformate durch Klicken bearbeiten</a:t>
             </a:r>
           </a:p>
@@ -6634,10 +6615,9 @@
           </a:lstStyle>
           <a:p>
             <a:r>
-              <a:rPr lang="de-DE" smtClean="0"/>
+              <a:rPr lang="de-DE"/>
               <a:t>Titelmasterformat durch Klicken bearbeiten</a:t>
             </a:r>
-            <a:endParaRPr lang="de-DE"/>
           </a:p>
         </p:txBody>
       </p:sp>
@@ -6761,7 +6741,7 @@
           <a:p>
             <a:pPr lvl="0"/>
             <a:r>
-              <a:rPr lang="de-DE" smtClean="0"/>
+              <a:rPr lang="de-DE"/>
               <a:t>Textmasterformate durch Klicken bearbeiten</a:t>
             </a:r>
           </a:p>
@@ -6911,7 +6891,7 @@
           <a:p>
             <a:pPr lvl="0"/>
             <a:r>
-              <a:rPr lang="en-GB" smtClean="0"/>
+              <a:rPr lang="en-GB"/>
               <a:t>Klicken Sie, um das Format des Titeltextes zu bearbeiten</a:t>
             </a:r>
           </a:p>
@@ -6954,63 +6934,63 @@
           <a:p>
             <a:pPr lvl="0"/>
             <a:r>
-              <a:rPr lang="en-GB" smtClean="0"/>
+              <a:rPr lang="en-GB"/>
               <a:t>Klicken Sie, um die Formate des Gliederungstextes zu bearbeiten</a:t>
             </a:r>
           </a:p>
           <a:p>
             <a:pPr lvl="1"/>
             <a:r>
-              <a:rPr lang="en-GB" smtClean="0"/>
+              <a:rPr lang="en-GB"/>
               <a:t>Zweite Gliederungsebene</a:t>
             </a:r>
           </a:p>
           <a:p>
             <a:pPr lvl="2"/>
             <a:r>
-              <a:rPr lang="en-GB" smtClean="0"/>
+              <a:rPr lang="en-GB"/>
               <a:t>Dritte Gliederungsebene</a:t>
             </a:r>
           </a:p>
           <a:p>
             <a:pPr lvl="3"/>
             <a:r>
-              <a:rPr lang="en-GB" smtClean="0"/>
+              <a:rPr lang="en-GB"/>
               <a:t>Vierte Gliederungsebene</a:t>
             </a:r>
           </a:p>
           <a:p>
             <a:pPr lvl="4"/>
             <a:r>
-              <a:rPr lang="en-GB" smtClean="0"/>
+              <a:rPr lang="en-GB"/>
               <a:t>Fünfte Gliederungsebene</a:t>
             </a:r>
           </a:p>
           <a:p>
             <a:pPr lvl="4"/>
             <a:r>
-              <a:rPr lang="en-GB" smtClean="0"/>
+              <a:rPr lang="en-GB"/>
               <a:t>Sechste Gliederungsebene</a:t>
             </a:r>
           </a:p>
           <a:p>
             <a:pPr lvl="4"/>
             <a:r>
-              <a:rPr lang="en-GB" smtClean="0"/>
+              <a:rPr lang="en-GB"/>
               <a:t>Siebente Gliederungsebene</a:t>
             </a:r>
           </a:p>
           <a:p>
             <a:pPr lvl="4"/>
             <a:r>
-              <a:rPr lang="en-GB" smtClean="0"/>
+              <a:rPr lang="en-GB"/>
               <a:t>Achte Gliederungsebene</a:t>
             </a:r>
           </a:p>
           <a:p>
             <a:pPr lvl="4"/>
             <a:r>
-              <a:rPr lang="en-GB" smtClean="0"/>
+              <a:rPr lang="en-GB"/>
               <a:t>Neunte Gliederungsebene</a:t>
             </a:r>
           </a:p>
@@ -8781,13 +8761,13 @@
               </a:tabLst>
             </a:pPr>
             <a:r>
-              <a:rPr lang="de-DE" sz="2800"/>
+              <a:rPr lang="de-DE" sz="2800" dirty="0"/>
               <a:t>Java-Anwendungen können sehr umfangreich werden (Projekte mit mehr als 1000 Klassen sind keine Seltenheit).</a:t>
             </a:r>
             <a:br>
-              <a:rPr lang="de-DE" sz="2800"/>
+              <a:rPr lang="de-DE" sz="2800" dirty="0"/>
             </a:br>
-            <a:endParaRPr lang="de-DE" sz="2800"/>
+            <a:endParaRPr lang="de-DE" sz="2800" dirty="0"/>
           </a:p>
           <a:p>
             <a:pPr marL="269875" indent="-269875">
@@ -8813,14 +8793,14 @@
               </a:tabLst>
             </a:pPr>
             <a:r>
-              <a:rPr lang="de-DE" sz="2800"/>
+              <a:rPr lang="de-DE" sz="2800" dirty="0"/>
               <a:t>Die Klassen sollten gruppiert und nach Kategorien sortiert werden.</a:t>
             </a:r>
             <a:br>
-              <a:rPr lang="de-DE" sz="2800"/>
+              <a:rPr lang="de-DE" sz="2800" dirty="0"/>
             </a:br>
             <a:r>
-              <a:rPr lang="de-DE" sz="2800"/>
+              <a:rPr lang="de-DE" sz="2800" dirty="0"/>
               <a:t> </a:t>
             </a:r>
           </a:p>
@@ -8848,8 +8828,16 @@
               </a:tabLst>
             </a:pPr>
             <a:r>
-              <a:rPr lang="de-DE" sz="2800"/>
-              <a:t>Java unterstützt dies durch sogenannte “packages” (Pakete).</a:t>
+              <a:rPr lang="de-DE" sz="2800" dirty="0"/>
+              <a:t>Java unterstützt dies durch sogenannte “</a:t>
+            </a:r>
+            <a:r>
+              <a:rPr lang="de-DE" sz="2800" dirty="0" err="1"/>
+              <a:t>packages</a:t>
+            </a:r>
+            <a:r>
+              <a:rPr lang="de-DE" sz="2800" dirty="0"/>
+              <a:t>” (Pakete).</a:t>
             </a:r>
           </a:p>
           <a:p>
@@ -8875,7 +8863,7 @@
                 <a:tab pos="8686800" algn="l"/>
               </a:tabLst>
             </a:pPr>
-            <a:endParaRPr lang="de-DE"/>
+            <a:endParaRPr lang="de-DE" dirty="0"/>
           </a:p>
           <a:p>
             <a:pPr marL="269875" indent="-269875">
@@ -8900,7 +8888,7 @@
                 <a:tab pos="8686800" algn="l"/>
               </a:tabLst>
             </a:pPr>
-            <a:endParaRPr lang="de-DE"/>
+            <a:endParaRPr lang="de-DE" dirty="0"/>
           </a:p>
         </p:txBody>
       </p:sp>
@@ -9138,13 +9126,13 @@
               </a:tabLst>
             </a:pPr>
             <a:r>
-              <a:rPr lang="de-DE"/>
+              <a:rPr lang="de-DE" dirty="0"/>
               <a:t>Pakete sind hierarchisch angeordnet, d. h. sie haben eine Baumstruktur, analog zu Organigrammen oder Verzeichnisstrukturen auf dem Computer.</a:t>
             </a:r>
             <a:br>
-              <a:rPr lang="de-DE"/>
+              <a:rPr lang="de-DE" dirty="0"/>
             </a:br>
-            <a:endParaRPr lang="de-DE"/>
+            <a:endParaRPr lang="de-DE" dirty="0"/>
           </a:p>
           <a:p>
             <a:pPr marL="269875" indent="-269875">
@@ -9170,14 +9158,14 @@
               </a:tabLst>
             </a:pPr>
             <a:r>
-              <a:rPr lang="de-DE"/>
+              <a:rPr lang="de-DE" dirty="0"/>
               <a:t>Klassen, die inhaltlich eng zusammen gehören, sollten in einem Paket abgelegt werden.</a:t>
             </a:r>
             <a:br>
-              <a:rPr lang="de-DE"/>
+              <a:rPr lang="de-DE" dirty="0"/>
             </a:br>
             <a:r>
-              <a:rPr lang="de-DE" sz="2800"/>
+              <a:rPr lang="de-DE" sz="2800" dirty="0"/>
               <a:t> </a:t>
             </a:r>
           </a:p>
@@ -9204,7 +9192,7 @@
                 <a:tab pos="8686800" algn="l"/>
               </a:tabLst>
             </a:pPr>
-            <a:endParaRPr lang="de-DE" sz="2800"/>
+            <a:endParaRPr lang="de-DE" sz="2800" dirty="0"/>
           </a:p>
           <a:p>
             <a:pPr marL="269875" indent="-269875">
@@ -9229,7 +9217,7 @@
                 <a:tab pos="8686800" algn="l"/>
               </a:tabLst>
             </a:pPr>
-            <a:endParaRPr lang="de-DE"/>
+            <a:endParaRPr lang="de-DE" dirty="0"/>
           </a:p>
           <a:p>
             <a:pPr marL="269875" indent="-269875">
@@ -9254,7 +9242,7 @@
                 <a:tab pos="8686800" algn="l"/>
               </a:tabLst>
             </a:pPr>
-            <a:endParaRPr lang="de-DE"/>
+            <a:endParaRPr lang="de-DE" dirty="0"/>
           </a:p>
         </p:txBody>
       </p:sp>
@@ -11443,10 +11431,6 @@
             <a:br>
               <a:rPr lang="de-DE" sz="2800"/>
             </a:br>
-            <a:r>
-              <a:rPr lang="de-DE" sz="2800"/>
-              <a:t/>
-            </a:r>
             <a:br>
               <a:rPr lang="de-DE" sz="2800"/>
             </a:br>
@@ -11501,10 +11485,6 @@
             <a:br>
               <a:rPr lang="de-DE" sz="2600"/>
             </a:br>
-            <a:r>
-              <a:rPr lang="de-DE" sz="2600"/>
-              <a:t/>
-            </a:r>
             <a:br>
               <a:rPr lang="de-DE" sz="2600"/>
             </a:br>
@@ -12365,10 +12345,6 @@
             <a:br>
               <a:rPr lang="de-DE" sz="2800"/>
             </a:br>
-            <a:r>
-              <a:rPr lang="de-DE" sz="2800"/>
-              <a:t/>
-            </a:r>
             <a:br>
               <a:rPr lang="de-DE" sz="2800"/>
             </a:br>
@@ -12605,7 +12581,7 @@
               </a:tabLst>
             </a:pPr>
             <a:r>
-              <a:rPr lang="de-DE" sz="4000" dirty="0" smtClean="0">
+              <a:rPr lang="de-DE" sz="4000" dirty="0">
                 <a:solidFill>
                   <a:srgbClr val="FFFFFF"/>
                 </a:solidFill>
@@ -12613,7 +12589,7 @@
               <a:t>Empfehlenswerte Ressourcen zu </a:t>
             </a:r>
             <a:r>
-              <a:rPr lang="de-DE" sz="4000" dirty="0" err="1" smtClean="0">
+              <a:rPr lang="de-DE" sz="4000" dirty="0" err="1">
                 <a:solidFill>
                   <a:srgbClr val="FFFFFF"/>
                 </a:solidFill>
@@ -12893,23 +12869,23 @@
               </a:tabLst>
             </a:pPr>
             <a:r>
-              <a:rPr lang="de-DE" dirty="0" smtClean="0"/>
+              <a:rPr lang="de-DE" dirty="0"/>
               <a:t>Pro </a:t>
             </a:r>
             <a:r>
-              <a:rPr lang="de-DE" dirty="0" err="1" smtClean="0"/>
+              <a:rPr lang="de-DE" dirty="0" err="1"/>
               <a:t>Git</a:t>
             </a:r>
             <a:r>
-              <a:rPr lang="de-DE" dirty="0" smtClean="0"/>
+              <a:rPr lang="de-DE" dirty="0"/>
               <a:t> (kostenloses Open Source </a:t>
             </a:r>
             <a:r>
-              <a:rPr lang="de-DE" dirty="0" err="1" smtClean="0"/>
+              <a:rPr lang="de-DE" dirty="0" err="1"/>
               <a:t>eBook</a:t>
             </a:r>
             <a:r>
-              <a:rPr lang="de-DE" dirty="0" smtClean="0"/>
+              <a:rPr lang="de-DE" dirty="0"/>
               <a:t>)</a:t>
             </a:r>
           </a:p>
@@ -12937,13 +12913,13 @@
               </a:tabLst>
             </a:pPr>
             <a:r>
-              <a:rPr lang="de-DE" sz="2400" dirty="0" smtClean="0">
+              <a:rPr lang="de-DE" sz="2400" dirty="0">
                 <a:hlinkClick r:id="rId3"/>
               </a:rPr>
               <a:t>http://git-scm.com/book/de/v1</a:t>
             </a:r>
             <a:r>
-              <a:rPr lang="de-DE" sz="2400" dirty="0" smtClean="0"/>
+              <a:rPr lang="de-DE" sz="2400" dirty="0"/>
               <a:t> (Deutsch, 1. Edition, 2009)</a:t>
             </a:r>
           </a:p>
@@ -12974,16 +12950,10 @@
               <a:rPr lang="de-DE" sz="2400" dirty="0">
                 <a:hlinkClick r:id="rId4"/>
               </a:rPr>
-              <a:t>http://</a:t>
-            </a:r>
-            <a:r>
-              <a:rPr lang="de-DE" sz="2400" dirty="0" smtClean="0">
-                <a:hlinkClick r:id="rId4"/>
-              </a:rPr>
-              <a:t>git-scm.com/book/en/v2</a:t>
-            </a:r>
-            <a:r>
-              <a:rPr lang="de-DE" sz="2400" dirty="0" smtClean="0"/>
+              <a:t>http://git-scm.com/book/en/v2</a:t>
+            </a:r>
+            <a:r>
+              <a:rPr lang="de-DE" sz="2400" dirty="0"/>
               <a:t> (Englisch, 2. Edition, 2014)</a:t>
             </a:r>
           </a:p>
@@ -13032,18 +13002,14 @@
             </a:r>
             <a:r>
               <a:rPr lang="de-DE" sz="2400" dirty="0"/>
-              <a:t> erklären </a:t>
-            </a:r>
-            <a:r>
-              <a:rPr lang="de-DE" sz="2400" dirty="0" smtClean="0"/>
-              <a:t>würde (6€ als </a:t>
-            </a:r>
-            <a:r>
-              <a:rPr lang="de-DE" sz="2400" dirty="0" err="1" smtClean="0"/>
+              <a:t> erklären würde (6€ als </a:t>
+            </a:r>
+            <a:r>
+              <a:rPr lang="de-DE" sz="2400" dirty="0" err="1"/>
               <a:t>Kindle-eBook</a:t>
             </a:r>
             <a:r>
-              <a:rPr lang="de-DE" sz="2400" dirty="0" smtClean="0"/>
+              <a:rPr lang="de-DE" sz="2400" dirty="0"/>
               <a:t>, 2014)</a:t>
             </a:r>
           </a:p>
@@ -13095,7 +13061,7 @@
                 <a:tab pos="8686800" algn="l"/>
               </a:tabLst>
             </a:pPr>
-            <a:endParaRPr lang="de-DE" sz="2400" dirty="0" smtClean="0"/>
+            <a:endParaRPr lang="de-DE" sz="2400" dirty="0"/>
           </a:p>
           <a:p>
             <a:pPr marL="269875" indent="-269875">
@@ -13121,19 +13087,19 @@
               </a:tabLst>
             </a:pPr>
             <a:r>
-              <a:rPr lang="de-DE" dirty="0" err="1" smtClean="0"/>
+              <a:rPr lang="de-DE" dirty="0" err="1"/>
               <a:t>CodeSchool</a:t>
             </a:r>
             <a:r>
-              <a:rPr lang="de-DE" dirty="0" smtClean="0"/>
+              <a:rPr lang="de-DE" dirty="0"/>
               <a:t> </a:t>
             </a:r>
             <a:r>
-              <a:rPr lang="de-DE" dirty="0" err="1" smtClean="0"/>
+              <a:rPr lang="de-DE" dirty="0" err="1"/>
               <a:t>Git</a:t>
             </a:r>
             <a:r>
-              <a:rPr lang="de-DE" dirty="0" smtClean="0"/>
+              <a:rPr lang="de-DE" dirty="0"/>
               <a:t>-Path</a:t>
             </a:r>
           </a:p>
@@ -13164,15 +13130,9 @@
               <a:rPr lang="de-DE" sz="2000" dirty="0">
                 <a:hlinkClick r:id="rId5"/>
               </a:rPr>
-              <a:t>https://</a:t>
-            </a:r>
-            <a:r>
-              <a:rPr lang="de-DE" sz="2000" dirty="0" smtClean="0">
-                <a:hlinkClick r:id="rId5"/>
-              </a:rPr>
-              <a:t>www.codeschool.com/paths/git</a:t>
-            </a:r>
-            <a:endParaRPr lang="de-DE" sz="2000" dirty="0" smtClean="0"/>
+              <a:t>https://www.codeschool.com/paths/git</a:t>
+            </a:r>
+            <a:endParaRPr lang="de-DE" sz="2000" dirty="0"/>
           </a:p>
           <a:p>
             <a:pPr marL="669925" lvl="1" indent="-269875">
@@ -13198,13 +13158,13 @@
               </a:tabLst>
             </a:pPr>
             <a:r>
-              <a:rPr lang="de-DE" sz="2000" dirty="0" smtClean="0"/>
+              <a:rPr lang="de-DE" sz="2000" dirty="0"/>
               <a:t>(29$ für 1 Monat Zugriff auf alle Kurse)</a:t>
             </a:r>
             <a:br>
-              <a:rPr lang="de-DE" sz="2000" dirty="0" smtClean="0"/>
+              <a:rPr lang="de-DE" sz="2000" dirty="0"/>
             </a:br>
-            <a:endParaRPr lang="de-DE" sz="2000" dirty="0" smtClean="0"/>
+            <a:endParaRPr lang="de-DE" sz="2000" dirty="0"/>
           </a:p>
           <a:p>
             <a:pPr marL="269875" indent="-269875">
@@ -13229,7 +13189,7 @@
                 <a:tab pos="8686800" algn="l"/>
               </a:tabLst>
             </a:pPr>
-            <a:endParaRPr lang="de-DE" dirty="0" smtClean="0"/>
+            <a:endParaRPr lang="de-DE" dirty="0"/>
           </a:p>
           <a:p>
             <a:pPr marL="269875" indent="-269875">
@@ -13314,15 +13274,6 @@
                 <a:headEnd/>
                 <a:tailEnd/>
               </a14:hiddenLine>
-            </a:ext>
-            <a:ext uri="{AF507438-7753-43E0-B8FC-AC1667EBCBE1}">
-              <a14:hiddenEffects xmlns:a14="http://schemas.microsoft.com/office/drawing/2010/main">
-                <a:effectLst>
-                  <a:outerShdw dist="35921" dir="2700000" algn="ctr" rotWithShape="0">
-                    <a:schemeClr val="bg2"/>
-                  </a:outerShdw>
-                </a:effectLst>
-              </a14:hiddenEffects>
             </a:ext>
           </a:extLst>
         </p:spPr>
@@ -13383,15 +13334,6 @@
                 <a:headEnd/>
                 <a:tailEnd/>
               </a14:hiddenLine>
-            </a:ext>
-            <a:ext uri="{AF507438-7753-43E0-B8FC-AC1667EBCBE1}">
-              <a14:hiddenEffects xmlns:a14="http://schemas.microsoft.com/office/drawing/2010/main">
-                <a:effectLst>
-                  <a:outerShdw dist="35921" dir="2700000" algn="ctr" rotWithShape="0">
-                    <a:schemeClr val="bg2"/>
-                  </a:outerShdw>
-                </a:effectLst>
-              </a14:hiddenEffects>
             </a:ext>
           </a:extLst>
         </p:spPr>
@@ -13467,15 +13409,6 @@
                   <a:tailEnd/>
                 </a14:hiddenLine>
               </a:ext>
-              <a:ext uri="{AF507438-7753-43E0-B8FC-AC1667EBCBE1}">
-                <a14:hiddenEffects xmlns:a14="http://schemas.microsoft.com/office/drawing/2010/main">
-                  <a:effectLst>
-                    <a:outerShdw dist="35921" dir="2700000" algn="ctr" rotWithShape="0">
-                      <a:schemeClr val="bg2"/>
-                    </a:outerShdw>
-                  </a:effectLst>
-                </a14:hiddenEffects>
-              </a:ext>
             </a:extLst>
           </p:spPr>
         </p:pic>
@@ -13535,15 +13468,6 @@
                   <a:headEnd/>
                   <a:tailEnd/>
                 </a14:hiddenLine>
-              </a:ext>
-              <a:ext uri="{AF507438-7753-43E0-B8FC-AC1667EBCBE1}">
-                <a14:hiddenEffects xmlns:a14="http://schemas.microsoft.com/office/drawing/2010/main">
-                  <a:effectLst>
-                    <a:outerShdw dist="35921" dir="2700000" algn="ctr" rotWithShape="0">
-                      <a:schemeClr val="bg2"/>
-                    </a:outerShdw>
-                  </a:effectLst>
-                </a14:hiddenEffects>
               </a:ext>
             </a:extLst>
           </p:spPr>
@@ -13605,15 +13529,6 @@
                   <a:tailEnd/>
                 </a14:hiddenLine>
               </a:ext>
-              <a:ext uri="{AF507438-7753-43E0-B8FC-AC1667EBCBE1}">
-                <a14:hiddenEffects xmlns:a14="http://schemas.microsoft.com/office/drawing/2010/main">
-                  <a:effectLst>
-                    <a:outerShdw dist="35921" dir="2700000" algn="ctr" rotWithShape="0">
-                      <a:schemeClr val="bg2"/>
-                    </a:outerShdw>
-                  </a:effectLst>
-                </a14:hiddenEffects>
-              </a:ext>
             </a:extLst>
           </p:spPr>
         </p:pic>
@@ -13673,15 +13588,6 @@
                   <a:headEnd/>
                   <a:tailEnd/>
                 </a14:hiddenLine>
-              </a:ext>
-              <a:ext uri="{AF507438-7753-43E0-B8FC-AC1667EBCBE1}">
-                <a14:hiddenEffects xmlns:a14="http://schemas.microsoft.com/office/drawing/2010/main">
-                  <a:effectLst>
-                    <a:outerShdw dist="35921" dir="2700000" algn="ctr" rotWithShape="0">
-                      <a:schemeClr val="bg2"/>
-                    </a:outerShdw>
-                  </a:effectLst>
-                </a14:hiddenEffects>
               </a:ext>
             </a:extLst>
           </p:spPr>
@@ -14338,7 +14244,7 @@
               </a:tabLst>
             </a:pPr>
             <a:r>
-              <a:rPr lang="de-DE" sz="4000" dirty="0" err="1" smtClean="0">
+              <a:rPr lang="de-DE" sz="4000" dirty="0" err="1">
                 <a:solidFill>
                   <a:srgbClr val="FFFFFF"/>
                 </a:solidFill>
@@ -14398,12 +14304,8 @@
               </a:tabLst>
             </a:pPr>
             <a:r>
-              <a:rPr lang="de-DE" sz="2600" dirty="0" smtClean="0"/>
-              <a:t>In den folgenden Übungen verwenden Sie häufig </a:t>
-            </a:r>
-            <a:r>
               <a:rPr lang="de-DE" sz="2600" dirty="0"/>
-              <a:t>die Klasse </a:t>
+              <a:t>In den folgenden Übungen verwenden Sie häufig die Klasse </a:t>
             </a:r>
             <a:r>
               <a:rPr lang="de-DE" sz="2600" dirty="0" err="1">
@@ -14416,15 +14318,15 @@
               <a:t> aus dem </a:t>
             </a:r>
             <a:r>
-              <a:rPr lang="de-DE" sz="2600" dirty="0" err="1" smtClean="0"/>
+              <a:rPr lang="de-DE" sz="2600" dirty="0" err="1"/>
               <a:t>package</a:t>
             </a:r>
             <a:r>
-              <a:rPr lang="de-DE" sz="2600" dirty="0" smtClean="0"/>
+              <a:rPr lang="de-DE" sz="2600" dirty="0"/>
               <a:t> </a:t>
             </a:r>
             <a:r>
-              <a:rPr lang="de-DE" sz="2600" dirty="0" err="1" smtClean="0">
+              <a:rPr lang="de-DE" sz="2600" dirty="0" err="1">
                 <a:latin typeface="Courier New" pitchFamily="49" charset="0"/>
               </a:rPr>
               <a:t>javax.swing</a:t>
@@ -14958,17 +14860,17 @@
               </a:tabLst>
             </a:pPr>
             <a:r>
-              <a:rPr lang="de-DE" sz="2600"/>
+              <a:rPr lang="de-DE" sz="2600" dirty="0"/>
               <a:t>Über die Klasse </a:t>
             </a:r>
             <a:r>
-              <a:rPr lang="de-DE" sz="2600">
+              <a:rPr lang="de-DE" sz="2600" dirty="0" err="1">
                 <a:latin typeface="Courier New" pitchFamily="49" charset="0"/>
               </a:rPr>
               <a:t>JOptionPane</a:t>
             </a:r>
             <a:r>
-              <a:rPr lang="de-DE" sz="2600"/>
+              <a:rPr lang="de-DE" sz="2600" dirty="0"/>
               <a:t> können auch andere</a:t>
             </a:r>
           </a:p>
@@ -14993,7 +14895,7 @@
               </a:tabLst>
             </a:pPr>
             <a:r>
-              <a:rPr lang="de-DE" sz="2600"/>
+              <a:rPr lang="de-DE" sz="2600" dirty="0"/>
               <a:t>einfache Fenster erzeugt werden:</a:t>
             </a:r>
           </a:p>
@@ -15017,7 +14919,7 @@
                 <a:tab pos="8686800" algn="l"/>
               </a:tabLst>
             </a:pPr>
-            <a:endParaRPr lang="de-DE" sz="2600"/>
+            <a:endParaRPr lang="de-DE" sz="2600" dirty="0"/>
           </a:p>
           <a:p>
             <a:pPr marL="0" indent="0">
@@ -15043,13 +14945,13 @@
               </a:tabLst>
             </a:pPr>
             <a:r>
-              <a:rPr lang="de-DE" sz="2600">
+              <a:rPr lang="de-DE" sz="2600" dirty="0" err="1">
                 <a:latin typeface="Courier New" pitchFamily="49" charset="0"/>
               </a:rPr>
               <a:t>showConfirmDialog</a:t>
             </a:r>
             <a:r>
-              <a:rPr lang="de-DE" sz="2600"/>
+              <a:rPr lang="de-DE" sz="2600" dirty="0"/>
               <a:t>  	Bestätigungsdialog (Ja/Nein)‏</a:t>
             </a:r>
           </a:p>
@@ -15077,13 +14979,13 @@
               </a:tabLst>
             </a:pPr>
             <a:r>
-              <a:rPr lang="de-DE" sz="2600">
+              <a:rPr lang="de-DE" sz="2600" dirty="0" err="1">
                 <a:latin typeface="Courier New" pitchFamily="49" charset="0"/>
               </a:rPr>
               <a:t>showInputDialog</a:t>
             </a:r>
             <a:r>
-              <a:rPr lang="de-DE" sz="2600"/>
+              <a:rPr lang="de-DE" sz="2600" dirty="0"/>
               <a:t>    	Eingabedialog (String-Eingabe)‏</a:t>
             </a:r>
           </a:p>
@@ -15111,13 +15013,13 @@
               </a:tabLst>
             </a:pPr>
             <a:r>
-              <a:rPr lang="de-DE" sz="2600">
+              <a:rPr lang="de-DE" sz="2600" dirty="0" err="1">
                 <a:latin typeface="Courier New" pitchFamily="49" charset="0"/>
               </a:rPr>
               <a:t>showMessageDialog</a:t>
             </a:r>
             <a:r>
-              <a:rPr lang="de-DE" sz="2600"/>
+              <a:rPr lang="de-DE" sz="2600" dirty="0"/>
               <a:t>	Meldungsdialog (OK)‏</a:t>
             </a:r>
           </a:p>
@@ -15145,13 +15047,13 @@
               </a:tabLst>
             </a:pPr>
             <a:r>
-              <a:rPr lang="de-DE" sz="2600">
+              <a:rPr lang="de-DE" sz="2600" dirty="0" err="1">
                 <a:latin typeface="Courier New" pitchFamily="49" charset="0"/>
               </a:rPr>
               <a:t>showOptionDialog</a:t>
             </a:r>
             <a:r>
-              <a:rPr lang="de-DE" sz="2600"/>
+              <a:rPr lang="de-DE" sz="2600" dirty="0"/>
               <a:t>   	Optionsdialog</a:t>
             </a:r>
           </a:p>
@@ -15176,7 +15078,7 @@
               </a:tabLst>
             </a:pPr>
             <a:r>
-              <a:rPr lang="de-DE" sz="2600"/>
+              <a:rPr lang="de-DE" sz="2600" dirty="0"/>
               <a:t>                                   	(Auswahl aus Optionsliste)</a:t>
             </a:r>
           </a:p>
@@ -15200,7 +15102,7 @@
                 <a:tab pos="8686800" algn="l"/>
               </a:tabLst>
             </a:pPr>
-            <a:endParaRPr lang="de-DE" sz="2600"/>
+            <a:endParaRPr lang="de-DE" sz="2600" dirty="0"/>
           </a:p>
           <a:p>
             <a:pPr marL="0" indent="0">
@@ -15222,7 +15124,7 @@
                 <a:tab pos="8686800" algn="l"/>
               </a:tabLst>
             </a:pPr>
-            <a:endParaRPr lang="de-DE" sz="2600"/>
+            <a:endParaRPr lang="de-DE" sz="2600" dirty="0"/>
           </a:p>
           <a:p>
             <a:pPr marL="0" indent="0">
@@ -15245,39 +15147,16 @@
               </a:tabLst>
             </a:pPr>
             <a:r>
-              <a:rPr lang="de-DE" sz="2600"/>
-              <a:t>siehe auch:</a:t>
-            </a:r>
-            <a:r>
-              <a:rPr lang="de-DE" sz="2800"/>
-              <a:t> 		</a:t>
-            </a:r>
-            <a:r>
-              <a:rPr lang="de-DE" sz="2400"/>
-              <a:t>http://docs.oracle.com/javase/1.5.0/docs/api/</a:t>
-            </a:r>
-          </a:p>
-          <a:p>
-            <a:pPr marL="0" indent="0">
-              <a:spcAft>
-                <a:spcPct val="0"/>
-              </a:spcAft>
-              <a:tabLst>
-                <a:tab pos="723900" algn="l"/>
-                <a:tab pos="1447800" algn="l"/>
-                <a:tab pos="2171700" algn="l"/>
-                <a:tab pos="2895600" algn="l"/>
-                <a:tab pos="3619500" algn="l"/>
-                <a:tab pos="4343400" algn="l"/>
-                <a:tab pos="5067300" algn="l"/>
-                <a:tab pos="5791200" algn="l"/>
-                <a:tab pos="6515100" algn="l"/>
-                <a:tab pos="7239000" algn="l"/>
-                <a:tab pos="7962900" algn="l"/>
-                <a:tab pos="8686800" algn="l"/>
-              </a:tabLst>
-            </a:pPr>
-            <a:endParaRPr lang="de-DE" sz="2800"/>
+              <a:rPr lang="de-DE" sz="2600" dirty="0"/>
+              <a:t>siehe auch: </a:t>
+            </a:r>
+            <a:r>
+              <a:rPr lang="de-DE" sz="1800" dirty="0">
+                <a:hlinkClick r:id="rId3"/>
+              </a:rPr>
+              <a:t>http://docs.oracle.com/javase/8/docs/api/javax/swing/JOptionPane.html</a:t>
+            </a:r>
+            <a:endParaRPr lang="de-DE" sz="1800" dirty="0"/>
           </a:p>
         </p:txBody>
       </p:sp>
@@ -16892,15 +16771,7 @@
             </a:pPr>
             <a:r>
               <a:rPr lang="de-DE" sz="2600" dirty="0"/>
-              <a:t>Das Programm verwaltet einen Stapel </a:t>
-            </a:r>
-            <a:r>
-              <a:rPr lang="de-DE" sz="2600" dirty="0" smtClean="0"/>
-              <a:t>von 13 </a:t>
-            </a:r>
-            <a:r>
-              <a:rPr lang="de-DE" sz="2600" dirty="0"/>
-              <a:t>Stäbchen.</a:t>
+              <a:t>Das Programm verwaltet einen Stapel von 13 Stäbchen.</a:t>
             </a:r>
             <a:br>
               <a:rPr lang="de-DE" sz="2600" dirty="0"/>
@@ -16932,23 +16803,7 @@
             </a:pPr>
             <a:r>
               <a:rPr lang="de-DE" sz="2600" dirty="0"/>
-              <a:t>Abwechselnd werden zwei Anwender gefragt, </a:t>
-            </a:r>
-            <a:r>
-              <a:rPr lang="de-DE" sz="2600" dirty="0" smtClean="0"/>
-              <a:t>ob sie vom </a:t>
-            </a:r>
-            <a:r>
-              <a:rPr lang="de-DE" sz="2600" dirty="0"/>
-              <a:t>Stapel 1, 2 oder 3 Stäbchen </a:t>
-            </a:r>
-            <a:r>
-              <a:rPr lang="de-DE" sz="2600" dirty="0" smtClean="0"/>
-              <a:t>nehmen wollen</a:t>
-            </a:r>
-            <a:r>
-              <a:rPr lang="de-DE" sz="2600" dirty="0"/>
-              <a:t>.</a:t>
+              <a:t>Abwechselnd werden zwei Anwender gefragt, ob sie vom Stapel 1, 2 oder 3 Stäbchen nehmen wollen.</a:t>
             </a:r>
             <a:br>
               <a:rPr lang="de-DE" sz="2600" dirty="0"/>
@@ -17012,11 +16867,7 @@
             </a:pPr>
             <a:r>
               <a:rPr lang="de-DE" sz="2600" dirty="0"/>
-              <a:t>Erweiterung: Schreiben Sie das Spiel für einen einzelnen Spieler um, und das Programm übernimmt den anderen Spieler</a:t>
-            </a:r>
-            <a:r>
-              <a:rPr lang="de-DE" sz="2600" dirty="0" smtClean="0"/>
-              <a:t>.</a:t>
+              <a:t>Erweiterung: Schreiben Sie das Spiel für einen einzelnen Spieler um, und das Programm übernimmt den anderen Spieler.</a:t>
             </a:r>
             <a:endParaRPr lang="de-DE" dirty="0"/>
           </a:p>
@@ -18870,10 +18721,6 @@
               </a:rPr>
               <a:t>String meintext;</a:t>
             </a:r>
-            <a:r>
-              <a:rPr lang="de-DE" sz="2800"/>
-              <a:t/>
-            </a:r>
             <a:br>
               <a:rPr lang="de-DE" sz="2800"/>
             </a:br>
@@ -18914,10 +18761,6 @@
                 <a:latin typeface="Courier New" pitchFamily="49" charset="0"/>
               </a:rPr>
               <a:t>meintext = new String();</a:t>
-            </a:r>
-            <a:r>
-              <a:rPr lang="de-DE" sz="2800"/>
-              <a:t/>
             </a:r>
             <a:br>
               <a:rPr lang="de-DE" sz="2800"/>
@@ -20351,10 +20194,6 @@
             <a:br>
               <a:rPr lang="de-DE" sz="2400" dirty="0"/>
             </a:br>
-            <a:r>
-              <a:rPr lang="de-DE" sz="2400" dirty="0"/>
-              <a:t/>
-            </a:r>
             <a:br>
               <a:rPr lang="de-DE" sz="2400" dirty="0"/>
             </a:br>
@@ -20388,10 +20227,6 @@
               </a:rPr>
               <a:t>();</a:t>
             </a:r>
-            <a:r>
-              <a:rPr lang="de-DE" sz="2400" dirty="0"/>
-              <a:t/>
-            </a:r>
             <a:br>
               <a:rPr lang="de-DE" sz="2400" dirty="0"/>
             </a:br>
@@ -20437,10 +20272,6 @@
             <a:br>
               <a:rPr lang="de-DE" sz="2400" dirty="0"/>
             </a:br>
-            <a:r>
-              <a:rPr lang="de-DE" sz="2400" dirty="0"/>
-              <a:t/>
-            </a:r>
             <a:br>
               <a:rPr lang="de-DE" sz="2400" dirty="0"/>
             </a:br>
@@ -20484,12 +20315,6 @@
                 <a:latin typeface="Courier New" pitchFamily="49" charset="0"/>
               </a:rPr>
             </a:br>
-            <a:r>
-              <a:rPr lang="de-DE" sz="2400" dirty="0">
-                <a:latin typeface="Courier New" pitchFamily="49" charset="0"/>
-              </a:rPr>
-              <a:t/>
-            </a:r>
             <a:br>
               <a:rPr lang="de-DE" sz="2400" dirty="0">
                 <a:latin typeface="Courier New" pitchFamily="49" charset="0"/>
@@ -20529,10 +20354,6 @@
                 <a:latin typeface="Courier New" pitchFamily="49" charset="0"/>
               </a:rPr>
               <a:t>();</a:t>
-            </a:r>
-            <a:r>
-              <a:rPr lang="de-DE" sz="2800" dirty="0"/>
-              <a:t/>
             </a:r>
             <a:br>
               <a:rPr lang="de-DE" sz="2800" dirty="0"/>
